--- a/VSS CODE/5_卷积实现过程_3170406037_李易潼_3170406034_毛佳雁_3170406036_祝立群/PPT_3170406037_李易潼_3170406034_毛佳雁_3170406036_祝立群/PPT_3170406037_李易潼_3170406034_毛佳雁_3170406036_祝立群.pptx
+++ b/VSS CODE/5_卷积实现过程_3170406037_李易潼_3170406034_毛佳雁_3170406036_祝立群/PPT_3170406037_李易潼_3170406034_毛佳雁_3170406036_祝立群/PPT_3170406037_李易潼_3170406034_毛佳雁_3170406036_祝立群.pptx
@@ -269,7 +269,7 @@
           <a:p>
             <a:fld id="{26A9B7B9-572E-4765-8917-F290920783FD}" type="datetimeFigureOut">
               <a:rPr lang="en-US" smtClean="0"/>
-              <a:t>1/7/2019</a:t>
+              <a:t>1/10/2019</a:t>
             </a:fld>
             <a:endParaRPr lang="en-US"/>
           </a:p>
@@ -430,7 +430,7 @@
           <a:p>
             <a:fld id="{4B54BA81-6A69-41D6-AE52-62521AF76217}" type="datetimeFigureOut">
               <a:rPr lang="en-US" smtClean="0"/>
-              <a:t>1/7/2019</a:t>
+              <a:t>1/10/2019</a:t>
             </a:fld>
             <a:endParaRPr lang="en-US"/>
           </a:p>
@@ -1297,7 +1297,91 @@
           <a:bodyPr/>
           <a:lstStyle/>
           <a:p>
-            <a:endParaRPr lang="zh-CN" altLang="en-US"/>
+            <a:r>
+              <a:rPr lang="en-US" altLang="zh-CN" dirty="0"/>
+              <a:t>https://github.com/DEisreal/DEisreal.github.io/blob/master/VSS%20CODE/5_</a:t>
+            </a:r>
+            <a:r>
+              <a:rPr lang="zh-CN" altLang="en-US" dirty="0"/>
+              <a:t>卷积实现过程</a:t>
+            </a:r>
+            <a:r>
+              <a:rPr lang="en-US" altLang="zh-CN" dirty="0"/>
+              <a:t>_3170406037_</a:t>
+            </a:r>
+            <a:r>
+              <a:rPr lang="zh-CN" altLang="en-US" dirty="0"/>
+              <a:t>李易潼</a:t>
+            </a:r>
+            <a:r>
+              <a:rPr lang="en-US" altLang="zh-CN" dirty="0"/>
+              <a:t>_3170406034_</a:t>
+            </a:r>
+            <a:r>
+              <a:rPr lang="zh-CN" altLang="en-US" dirty="0"/>
+              <a:t>毛佳雁</a:t>
+            </a:r>
+            <a:r>
+              <a:rPr lang="en-US" altLang="zh-CN" dirty="0"/>
+              <a:t>_3170406036_</a:t>
+            </a:r>
+            <a:r>
+              <a:rPr lang="zh-CN" altLang="en-US" dirty="0"/>
+              <a:t>祝立群</a:t>
+            </a:r>
+            <a:r>
+              <a:rPr lang="en-US" altLang="zh-CN" dirty="0"/>
+              <a:t>/</a:t>
+            </a:r>
+            <a:r>
+              <a:rPr lang="zh-CN" altLang="en-US" dirty="0"/>
+              <a:t>程序</a:t>
+            </a:r>
+            <a:r>
+              <a:rPr lang="en-US" altLang="zh-CN" dirty="0"/>
+              <a:t>_3170406037_</a:t>
+            </a:r>
+            <a:r>
+              <a:rPr lang="zh-CN" altLang="en-US" dirty="0"/>
+              <a:t>李易潼</a:t>
+            </a:r>
+            <a:r>
+              <a:rPr lang="en-US" altLang="zh-CN" dirty="0"/>
+              <a:t>_3170406034_</a:t>
+            </a:r>
+            <a:r>
+              <a:rPr lang="zh-CN" altLang="en-US" dirty="0"/>
+              <a:t>毛佳雁</a:t>
+            </a:r>
+            <a:r>
+              <a:rPr lang="en-US" altLang="zh-CN" dirty="0"/>
+              <a:t>_3170406036_</a:t>
+            </a:r>
+            <a:r>
+              <a:rPr lang="zh-CN" altLang="en-US" dirty="0"/>
+              <a:t>祝立群</a:t>
+            </a:r>
+            <a:r>
+              <a:rPr lang="en-US" altLang="zh-CN" dirty="0"/>
+              <a:t>/MD</a:t>
+            </a:r>
+            <a:r>
+              <a:rPr lang="zh-CN" altLang="en-US" dirty="0"/>
+              <a:t>形式</a:t>
+            </a:r>
+            <a:r>
+              <a:rPr lang="en-US" altLang="zh-CN" dirty="0"/>
+              <a:t>_</a:t>
+            </a:r>
+            <a:r>
+              <a:rPr lang="zh-CN" altLang="en-US" dirty="0"/>
+              <a:t>大作业呈现</a:t>
+            </a:r>
+            <a:r>
+              <a:rPr lang="en-US" altLang="zh-CN" dirty="0"/>
+              <a:t>.md</a:t>
+            </a:r>
+            <a:endParaRPr lang="zh-CN" altLang="en-US" dirty="0"/>
           </a:p>
         </p:txBody>
       </p:sp>
@@ -3950,7 +4034,7 @@
                   </a:prstClr>
                 </a:solidFill>
               </a:rPr>
-              <a:t>2019/1/7</a:t>
+              <a:t>2019/1/10</a:t>
             </a:fld>
             <a:endParaRPr lang="zh-CN" altLang="en-US">
               <a:solidFill>
@@ -4143,7 +4227,7 @@
                   </a:prstClr>
                 </a:solidFill>
               </a:rPr>
-              <a:t>2019/1/7</a:t>
+              <a:t>2019/1/10</a:t>
             </a:fld>
             <a:endParaRPr lang="zh-CN" altLang="en-US">
               <a:solidFill>
@@ -4413,7 +4497,7 @@
                   </a:prstClr>
                 </a:solidFill>
               </a:rPr>
-              <a:t>2019/1/7</a:t>
+              <a:t>2019/1/10</a:t>
             </a:fld>
             <a:endParaRPr lang="zh-CN" altLang="en-US">
               <a:solidFill>
@@ -4723,7 +4807,7 @@
                   </a:prstClr>
                 </a:solidFill>
               </a:rPr>
-              <a:t>2019/1/7</a:t>
+              <a:t>2019/1/10</a:t>
             </a:fld>
             <a:endParaRPr lang="zh-CN" altLang="en-US">
               <a:solidFill>
@@ -5163,7 +5247,7 @@
                   </a:prstClr>
                 </a:solidFill>
               </a:rPr>
-              <a:t>2019/1/7</a:t>
+              <a:t>2019/1/10</a:t>
             </a:fld>
             <a:endParaRPr lang="zh-CN" altLang="en-US">
               <a:solidFill>
@@ -5305,7 +5389,7 @@
                   </a:prstClr>
                 </a:solidFill>
               </a:rPr>
-              <a:t>2019/1/7</a:t>
+              <a:t>2019/1/10</a:t>
             </a:fld>
             <a:endParaRPr lang="zh-CN" altLang="en-US">
               <a:solidFill>
@@ -5425,7 +5509,7 @@
                   </a:prstClr>
                 </a:solidFill>
               </a:rPr>
-              <a:t>2019/1/7</a:t>
+              <a:t>2019/1/10</a:t>
             </a:fld>
             <a:endParaRPr lang="zh-CN" altLang="en-US">
               <a:solidFill>
@@ -5725,7 +5809,7 @@
                   </a:prstClr>
                 </a:solidFill>
               </a:rPr>
-              <a:t>2019/1/7</a:t>
+              <a:t>2019/1/10</a:t>
             </a:fld>
             <a:endParaRPr lang="zh-CN" altLang="en-US">
               <a:solidFill>
@@ -6002,7 +6086,7 @@
                   </a:prstClr>
                 </a:solidFill>
               </a:rPr>
-              <a:t>2019/1/7</a:t>
+              <a:t>2019/1/10</a:t>
             </a:fld>
             <a:endParaRPr lang="zh-CN" altLang="en-US">
               <a:solidFill>
@@ -6195,7 +6279,7 @@
                   </a:prstClr>
                 </a:solidFill>
               </a:rPr>
-              <a:t>2019/1/7</a:t>
+              <a:t>2019/1/10</a:t>
             </a:fld>
             <a:endParaRPr lang="zh-CN" altLang="en-US">
               <a:solidFill>
@@ -6517,7 +6601,7 @@
                   </a:prstClr>
                 </a:solidFill>
               </a:rPr>
-              <a:t>2019/1/7</a:t>
+              <a:t>2019/1/10</a:t>
             </a:fld>
             <a:endParaRPr lang="zh-CN" altLang="en-US">
               <a:solidFill>
@@ -9003,7 +9087,7 @@
                   </a:prstClr>
                 </a:solidFill>
               </a:rPr>
-              <a:t>2019/1/7</a:t>
+              <a:t>2019/1/10</a:t>
             </a:fld>
             <a:endParaRPr lang="zh-CN" altLang="en-US">
               <a:solidFill>
@@ -11059,7 +11143,6 @@
           <a:p>
             <a:r>
               <a:rPr lang="zh-CN" sz="2000">
-                <a:ln/>
                 <a:solidFill>
                   <a:schemeClr val="tx1"/>
                 </a:solidFill>
@@ -11774,8 +11857,8 @@
         </p:nvSpPr>
         <p:spPr>
           <a:xfrm>
-            <a:off x="637540" y="1974850"/>
-            <a:ext cx="6324600" cy="1384995"/>
+            <a:off x="637540" y="2555875"/>
+            <a:ext cx="6324600" cy="1014730"/>
           </a:xfrm>
           <a:prstGeom prst="rect">
             <a:avLst/>
@@ -11789,7 +11872,7 @@
           <a:p>
             <a:pPr algn="just"/>
             <a:r>
-              <a:rPr lang="en-US" sz="1400" dirty="0">
+              <a:rPr lang="en-US" sz="1200">
                 <a:solidFill>
                   <a:schemeClr val="tx1">
                     <a:lumMod val="85000"/>
@@ -11800,7 +11883,7 @@
                 <a:ea typeface="Roboto" panose="02000000000000000000" pitchFamily="2" charset="0"/>
                 <a:cs typeface="Open Sans" panose="020B0606030504020204" pitchFamily="34" charset="0"/>
               </a:rPr>
-              <a:t>        在选择了这次的大作业后，我们就开始准备资料了，先是每个人去网上查阅相关资料，做个大概的了解，接着我们去图书馆借阅相关的书籍，发现绝大部分只涉及到matlab而非python，但是很幸运在CDSN上有着相关的代码可以借鉴，在操作的过程中我们也发现了许多问题，对于整个程序也进行了许多改进，但还没此结果都不一样，不过我们也从中发现了规律，最后我们的整个大作业过程和最终结果如上。</a:t>
+              <a:t>        在选择了这次的大作业后，我们就开始准备资料了，先是每个人去网上查阅相关资料，做个大概的了解，接着我们去图书馆借阅相关的书籍，发现绝大部分只涉及到matlab而非python，但是很幸运在CDSN上有着相关的代码可以借鉴，在操作的过程中我们也发现了许多问题，对于整个程序也进行了许多改进，但结果都不一样，不过我们也从中发现了规律，最后我们的整个大作业过程和最终结果如上。</a:t>
             </a:r>
           </a:p>
         </p:txBody>
@@ -11813,8 +11896,8 @@
         </p:nvSpPr>
         <p:spPr>
           <a:xfrm>
-            <a:off x="637540" y="3449955"/>
-            <a:ext cx="6324600" cy="3139321"/>
+            <a:off x="637540" y="3754755"/>
+            <a:ext cx="6324600" cy="2538095"/>
           </a:xfrm>
           <a:prstGeom prst="rect">
             <a:avLst/>
@@ -11829,7 +11912,7 @@
           <a:p>
             <a:pPr defTabSz="1176655"/>
             <a:r>
-              <a:rPr lang="zh-CN" altLang="en-US" sz="2000" dirty="0">
+              <a:rPr lang="zh-CN" altLang="en-US" dirty="0">
                 <a:solidFill>
                   <a:schemeClr val="tx1">
                     <a:lumMod val="85000"/>
@@ -11843,7 +11926,7 @@
             </a:r>
           </a:p>
           <a:p>
-            <a:endParaRPr lang="en-US" sz="1000" dirty="0">
+            <a:endParaRPr lang="en-US" sz="900" dirty="0">
               <a:solidFill>
                 <a:schemeClr val="tx1">
                   <a:lumMod val="85000"/>
@@ -11856,7 +11939,7 @@
           </a:p>
           <a:p>
             <a:r>
-              <a:rPr lang="en-US" sz="1400" dirty="0">
+              <a:rPr lang="en-US" sz="1200" dirty="0">
                 <a:solidFill>
                   <a:schemeClr val="tx1">
                     <a:lumMod val="85000"/>
@@ -11871,7 +11954,7 @@
           </a:p>
           <a:p>
             <a:r>
-              <a:rPr lang="en-US" sz="1400" dirty="0">
+              <a:rPr lang="en-US" sz="1200" dirty="0">
                 <a:solidFill>
                   <a:schemeClr val="tx1">
                     <a:lumMod val="85000"/>
@@ -11886,7 +11969,7 @@
           </a:p>
           <a:p>
             <a:r>
-              <a:rPr lang="en-US" sz="1400" dirty="0">
+              <a:rPr lang="en-US" sz="1200" dirty="0">
                 <a:solidFill>
                   <a:schemeClr val="tx1">
                     <a:lumMod val="85000"/>
@@ -11901,7 +11984,7 @@
           </a:p>
           <a:p>
             <a:r>
-              <a:rPr lang="en-US" sz="1400" dirty="0">
+              <a:rPr lang="en-US" sz="1200" dirty="0">
                 <a:solidFill>
                   <a:schemeClr val="tx1">
                     <a:lumMod val="85000"/>
@@ -11924,7 +12007,7 @@
         </p:nvSpPr>
         <p:spPr>
           <a:xfrm>
-            <a:off x="637631" y="1535806"/>
+            <a:off x="637631" y="1973956"/>
             <a:ext cx="734024" cy="441924"/>
           </a:xfrm>
           <a:prstGeom prst="roundRect">
@@ -18804,7 +18887,7 @@
         <p:spPr>
           <a:xfrm>
             <a:off x="6387494" y="1727069"/>
-            <a:ext cx="5346263" cy="1383665"/>
+            <a:ext cx="5346263" cy="1876425"/>
           </a:xfrm>
           <a:prstGeom prst="rect">
             <a:avLst/>
@@ -18827,16 +18910,6 @@
           </a:p>
           <a:p>
             <a:pPr algn="ctr" defTabSz="1176655"/>
-            <a:r>
-              <a:rPr lang="zh-CN" altLang="zh-CN" sz="2400" b="1" dirty="0">
-                <a:solidFill>
-                  <a:schemeClr val="bg1"/>
-                </a:solidFill>
-                <a:latin typeface="幼圆" panose="02010509060101010101" pitchFamily="49" charset="-122"/>
-                <a:ea typeface="幼圆" panose="02010509060101010101" pitchFamily="49" charset="-122"/>
-              </a:rPr>
-              <a:t>设计思路</a:t>
-            </a:r>
             <a:endParaRPr lang="zh-CN" altLang="zh-CN" sz="1400" b="1" dirty="0">
               <a:solidFill>
                 <a:schemeClr val="bg1"/>
@@ -18846,7 +18919,11 @@
             </a:endParaRPr>
           </a:p>
           <a:p>
-            <a:pPr algn="l" defTabSz="1176655"/>
+            <a:pPr algn="l" defTabSz="1176655" fontAlgn="auto">
+              <a:lnSpc>
+                <a:spcPct val="150000"/>
+              </a:lnSpc>
+            </a:pPr>
             <a:r>
               <a:rPr lang="zh-CN" altLang="en-US" sz="1400" dirty="0">
                 <a:solidFill>
@@ -18865,7 +18942,7 @@
                 <a:latin typeface="幼圆" panose="02010509060101010101" pitchFamily="49" charset="-122"/>
                 <a:ea typeface="幼圆" panose="02010509060101010101" pitchFamily="49" charset="-122"/>
               </a:rPr>
-              <a:t>采用面向对象的程序设计方法。使用Python语言实现</a:t>
+              <a:t>VS</a:t>
             </a:r>
             <a:r>
               <a:rPr lang="zh-CN" altLang="en-US" sz="1400" dirty="0">
@@ -18875,7 +18952,27 @@
                 <a:latin typeface="幼圆" panose="02010509060101010101" pitchFamily="49" charset="-122"/>
                 <a:ea typeface="幼圆" panose="02010509060101010101" pitchFamily="49" charset="-122"/>
               </a:rPr>
-              <a:t>功能</a:t>
+              <a:t>配置</a:t>
+            </a:r>
+            <a:r>
+              <a:rPr lang="en-US" altLang="zh-CN" sz="1400" dirty="0">
+                <a:solidFill>
+                  <a:schemeClr val="bg1"/>
+                </a:solidFill>
+                <a:latin typeface="幼圆" panose="02010509060101010101" pitchFamily="49" charset="-122"/>
+                <a:ea typeface="幼圆" panose="02010509060101010101" pitchFamily="49" charset="-122"/>
+              </a:rPr>
+              <a:t>python</a:t>
+            </a:r>
+            <a:r>
+              <a:rPr lang="zh-CN" altLang="en-US" sz="1400" dirty="0">
+                <a:solidFill>
+                  <a:schemeClr val="bg1"/>
+                </a:solidFill>
+                <a:latin typeface="幼圆" panose="02010509060101010101" pitchFamily="49" charset="-122"/>
+                <a:ea typeface="幼圆" panose="02010509060101010101" pitchFamily="49" charset="-122"/>
+              </a:rPr>
+              <a:t>环境</a:t>
             </a:r>
             <a:r>
               <a:rPr lang="en-US" altLang="zh-CN" sz="1400" dirty="0">
@@ -18889,7 +18986,11 @@
             </a:r>
           </a:p>
           <a:p>
-            <a:pPr algn="l" defTabSz="1176655"/>
+            <a:pPr algn="l" defTabSz="1176655" fontAlgn="auto">
+              <a:lnSpc>
+                <a:spcPct val="150000"/>
+              </a:lnSpc>
+            </a:pPr>
             <a:r>
               <a:rPr lang="zh-CN" altLang="en-US" sz="1400" dirty="0">
                 <a:solidFill>
@@ -18918,30 +19019,98 @@
                 <a:latin typeface="幼圆" panose="02010509060101010101" pitchFamily="49" charset="-122"/>
                 <a:ea typeface="幼圆" panose="02010509060101010101" pitchFamily="49" charset="-122"/>
               </a:rPr>
-              <a:t>生成</a:t>
-            </a:r>
-            <a:r>
-              <a:rPr lang="en-US" altLang="zh-CN" sz="1400" dirty="0">
+              <a:t>辅助生成动画</a:t>
+            </a:r>
+            <a:endParaRPr lang="en-US" altLang="zh-CN" sz="1400" dirty="0">
+              <a:solidFill>
+                <a:schemeClr val="bg1"/>
+              </a:solidFill>
+              <a:latin typeface="幼圆" panose="02010509060101010101" pitchFamily="49" charset="-122"/>
+              <a:ea typeface="幼圆" panose="02010509060101010101" pitchFamily="49" charset="-122"/>
+            </a:endParaRPr>
+          </a:p>
+          <a:p>
+            <a:pPr algn="l" defTabSz="1176655" fontAlgn="auto">
+              <a:lnSpc>
+                <a:spcPct val="150000"/>
+              </a:lnSpc>
+            </a:pPr>
+            <a:r>
+              <a:rPr lang="zh-CN" altLang="en-US" sz="1400" dirty="0">
                 <a:solidFill>
                   <a:schemeClr val="bg1"/>
                 </a:solidFill>
                 <a:latin typeface="幼圆" panose="02010509060101010101" pitchFamily="49" charset="-122"/>
                 <a:ea typeface="幼圆" panose="02010509060101010101" pitchFamily="49" charset="-122"/>
               </a:rPr>
-              <a:t>动画</a:t>
-            </a:r>
-          </a:p>
-          <a:p>
-            <a:pPr algn="l" defTabSz="1176655"/>
-            <a:r>
-              <a:rPr lang="zh-CN" altLang="en-US" sz="1400" dirty="0">
+              <a:t>三、用</a:t>
+            </a:r>
+            <a:r>
+              <a:rPr lang="en-US" altLang="zh-CN" sz="1400" dirty="0">
                 <a:solidFill>
                   <a:schemeClr val="bg1"/>
                 </a:solidFill>
                 <a:latin typeface="幼圆" panose="02010509060101010101" pitchFamily="49" charset="-122"/>
                 <a:ea typeface="幼圆" panose="02010509060101010101" pitchFamily="49" charset="-122"/>
               </a:rPr>
-              <a:t>三、通过ImageMagick导出GIF</a:t>
+              <a:t>python</a:t>
+            </a:r>
+            <a:r>
+              <a:rPr lang="zh-CN" altLang="en-US" sz="1400" dirty="0">
+                <a:solidFill>
+                  <a:schemeClr val="bg1"/>
+                </a:solidFill>
+                <a:latin typeface="幼圆" panose="02010509060101010101" pitchFamily="49" charset="-122"/>
+                <a:ea typeface="幼圆" panose="02010509060101010101" pitchFamily="49" charset="-122"/>
+              </a:rPr>
+              <a:t>编程实现功能</a:t>
+            </a:r>
+          </a:p>
+          <a:p>
+            <a:pPr algn="l" defTabSz="1176655" fontAlgn="auto">
+              <a:lnSpc>
+                <a:spcPct val="150000"/>
+              </a:lnSpc>
+            </a:pPr>
+            <a:r>
+              <a:rPr lang="zh-CN" altLang="en-US" sz="1400" dirty="0">
+                <a:solidFill>
+                  <a:schemeClr val="bg1"/>
+                </a:solidFill>
+                <a:latin typeface="幼圆" panose="02010509060101010101" pitchFamily="49" charset="-122"/>
+                <a:ea typeface="幼圆" panose="02010509060101010101" pitchFamily="49" charset="-122"/>
+              </a:rPr>
+              <a:t>四、用</a:t>
+            </a:r>
+            <a:r>
+              <a:rPr lang="en-US" altLang="zh-CN" sz="1400" dirty="0">
+                <a:solidFill>
+                  <a:schemeClr val="bg1"/>
+                </a:solidFill>
+                <a:latin typeface="幼圆" panose="02010509060101010101" pitchFamily="49" charset="-122"/>
+                <a:ea typeface="幼圆" panose="02010509060101010101" pitchFamily="49" charset="-122"/>
+              </a:rPr>
+              <a:t>ImageMagick</a:t>
+            </a:r>
+            <a:r>
+              <a:rPr lang="zh-CN" altLang="en-US" sz="1400" dirty="0">
+                <a:solidFill>
+                  <a:schemeClr val="bg1"/>
+                </a:solidFill>
+                <a:latin typeface="幼圆" panose="02010509060101010101" pitchFamily="49" charset="-122"/>
+                <a:ea typeface="幼圆" panose="02010509060101010101" pitchFamily="49" charset="-122"/>
+              </a:rPr>
+              <a:t>导出</a:t>
+            </a:r>
+            <a:r>
+              <a:rPr lang="en-US" altLang="zh-CN" sz="1400" dirty="0">
+                <a:solidFill>
+                  <a:schemeClr val="bg1"/>
+                </a:solidFill>
+                <a:latin typeface="幼圆" panose="02010509060101010101" pitchFamily="49" charset="-122"/>
+                <a:ea typeface="幼圆" panose="02010509060101010101" pitchFamily="49" charset="-122"/>
+              </a:rPr>
+              <a:t>GIF</a:t>
             </a:r>
           </a:p>
           <a:p>
@@ -19588,21 +19757,136 @@
                             </p:childTnLst>
                           </p:cTn>
                         </p:par>
+                      </p:childTnLst>
+                    </p:cTn>
+                  </p:par>
+                  <p:par>
+                    <p:cTn id="21" fill="hold">
+                      <p:stCondLst>
+                        <p:cond delay="indefinite"/>
+                      </p:stCondLst>
+                      <p:childTnLst>
                         <p:par>
-                          <p:cTn id="21" fill="hold">
+                          <p:cTn id="22" fill="hold">
                             <p:stCondLst>
-                              <p:cond delay="500"/>
+                              <p:cond delay="0"/>
                             </p:stCondLst>
                             <p:childTnLst>
                               <p:par>
-                                <p:cTn id="22" presetID="16" presetClass="entr" presetSubtype="37" fill="hold" grpId="0" nodeType="afterEffect">
+                                <p:cTn id="23" presetID="42" presetClass="entr" presetSubtype="0" fill="hold" grpId="0" nodeType="clickEffect">
                                   <p:stCondLst>
                                     <p:cond delay="0"/>
                                   </p:stCondLst>
                                   <p:childTnLst>
                                     <p:set>
                                       <p:cBhvr>
-                                        <p:cTn id="23" dur="1" fill="hold">
+                                        <p:cTn id="24" dur="1" fill="hold">
+                                          <p:stCondLst>
+                                            <p:cond delay="0"/>
+                                          </p:stCondLst>
+                                        </p:cTn>
+                                        <p:tgtEl>
+                                          <p:spTgt spid="1048628">
+                                            <p:txEl>
+                                              <p:pRg st="5" end="5"/>
+                                            </p:txEl>
+                                          </p:spTgt>
+                                        </p:tgtEl>
+                                        <p:attrNameLst>
+                                          <p:attrName>style.visibility</p:attrName>
+                                        </p:attrNameLst>
+                                      </p:cBhvr>
+                                      <p:to>
+                                        <p:strVal val="visible"/>
+                                      </p:to>
+                                    </p:set>
+                                    <p:animEffect transition="in" filter="fade">
+                                      <p:cBhvr>
+                                        <p:cTn id="25" dur="300"/>
+                                        <p:tgtEl>
+                                          <p:spTgt spid="1048628">
+                                            <p:txEl>
+                                              <p:pRg st="5" end="5"/>
+                                            </p:txEl>
+                                          </p:spTgt>
+                                        </p:tgtEl>
+                                      </p:cBhvr>
+                                    </p:animEffect>
+                                    <p:anim calcmode="lin" valueType="num">
+                                      <p:cBhvr>
+                                        <p:cTn id="26" dur="300" fill="hold"/>
+                                        <p:tgtEl>
+                                          <p:spTgt spid="1048628">
+                                            <p:txEl>
+                                              <p:pRg st="5" end="5"/>
+                                            </p:txEl>
+                                          </p:spTgt>
+                                        </p:tgtEl>
+                                        <p:attrNameLst>
+                                          <p:attrName>ppt_x</p:attrName>
+                                        </p:attrNameLst>
+                                      </p:cBhvr>
+                                      <p:tavLst>
+                                        <p:tav tm="0">
+                                          <p:val>
+                                            <p:strVal val="#ppt_x"/>
+                                          </p:val>
+                                        </p:tav>
+                                        <p:tav tm="100000">
+                                          <p:val>
+                                            <p:strVal val="#ppt_x"/>
+                                          </p:val>
+                                        </p:tav>
+                                      </p:tavLst>
+                                    </p:anim>
+                                    <p:anim calcmode="lin" valueType="num">
+                                      <p:cBhvr>
+                                        <p:cTn id="27" dur="300" fill="hold"/>
+                                        <p:tgtEl>
+                                          <p:spTgt spid="1048628">
+                                            <p:txEl>
+                                              <p:pRg st="5" end="5"/>
+                                            </p:txEl>
+                                          </p:spTgt>
+                                        </p:tgtEl>
+                                        <p:attrNameLst>
+                                          <p:attrName>ppt_y</p:attrName>
+                                        </p:attrNameLst>
+                                      </p:cBhvr>
+                                      <p:tavLst>
+                                        <p:tav tm="0">
+                                          <p:val>
+                                            <p:strVal val="#ppt_y+.1"/>
+                                          </p:val>
+                                        </p:tav>
+                                        <p:tav tm="100000">
+                                          <p:val>
+                                            <p:strVal val="#ppt_y"/>
+                                          </p:val>
+                                        </p:tav>
+                                      </p:tavLst>
+                                    </p:anim>
+                                  </p:childTnLst>
+                                </p:cTn>
+                              </p:par>
+                            </p:childTnLst>
+                          </p:cTn>
+                        </p:par>
+                        <p:par>
+                          <p:cTn id="28" fill="hold">
+                            <p:stCondLst>
+                              <p:cond delay="500"/>
+                            </p:stCondLst>
+                            <p:childTnLst>
+                              <p:par>
+                                <p:cTn id="29" presetID="16" presetClass="entr" presetSubtype="37" fill="hold" grpId="0" nodeType="afterEffect">
+                                  <p:stCondLst>
+                                    <p:cond delay="0"/>
+                                  </p:stCondLst>
+                                  <p:childTnLst>
+                                    <p:set>
+                                      <p:cBhvr>
+                                        <p:cTn id="30" dur="1" fill="hold">
                                           <p:stCondLst>
                                             <p:cond delay="0"/>
                                           </p:stCondLst>
@@ -19620,7 +19904,7 @@
                                     </p:set>
                                     <p:animEffect transition="in" filter="barn(outVertical)">
                                       <p:cBhvr>
-                                        <p:cTn id="24" dur="500"/>
+                                        <p:cTn id="31" dur="500"/>
                                         <p:tgtEl>
                                           <p:spTgt spid="1048625"/>
                                         </p:tgtEl>
@@ -19633,20 +19917,20 @@
                           </p:cTn>
                         </p:par>
                         <p:par>
-                          <p:cTn id="25" fill="hold">
+                          <p:cTn id="32" fill="hold">
                             <p:stCondLst>
                               <p:cond delay="1000"/>
                             </p:stCondLst>
                             <p:childTnLst>
                               <p:par>
-                                <p:cTn id="26" presetID="16" presetClass="entr" presetSubtype="37" fill="hold" grpId="0" nodeType="afterEffect">
+                                <p:cTn id="33" presetID="16" presetClass="entr" presetSubtype="37" fill="hold" grpId="0" nodeType="afterEffect">
                                   <p:stCondLst>
                                     <p:cond delay="0"/>
                                   </p:stCondLst>
                                   <p:childTnLst>
                                     <p:set>
                                       <p:cBhvr>
-                                        <p:cTn id="27" dur="1" fill="hold">
+                                        <p:cTn id="34" dur="1" fill="hold">
                                           <p:stCondLst>
                                             <p:cond delay="0"/>
                                           </p:stCondLst>
@@ -19664,7 +19948,7 @@
                                     </p:set>
                                     <p:animEffect transition="in" filter="barn(outVertical)">
                                       <p:cBhvr>
-                                        <p:cTn id="28" dur="500"/>
+                                        <p:cTn id="35" dur="500"/>
                                         <p:tgtEl>
                                           <p:spTgt spid="1048626"/>
                                         </p:tgtEl>
@@ -19997,6 +20281,64 @@
               <a:solidFill>
                 <a:srgbClr val="3C3C3C"/>
               </a:solidFill>
+            </a:endParaRPr>
+          </a:p>
+        </p:txBody>
+      </p:sp>
+      <p:sp>
+        <p:nvSpPr>
+          <p:cNvPr id="2" name="文本框 0"/>
+          <p:cNvSpPr txBox="1"/>
+          <p:nvPr/>
+        </p:nvSpPr>
+        <p:spPr>
+          <a:xfrm>
+            <a:off x="4912995" y="5257165"/>
+            <a:ext cx="9291320" cy="368300"/>
+          </a:xfrm>
+          <a:prstGeom prst="rect">
+            <a:avLst/>
+          </a:prstGeom>
+          <a:noFill/>
+        </p:spPr>
+        <p:txBody>
+          <a:bodyPr wrap="square" rtlCol="0">
+            <a:spAutoFit/>
+          </a:bodyPr>
+          <a:lstStyle/>
+          <a:p>
+            <a:r>
+              <a:rPr lang="zh-CN" altLang="en-US" dirty="0">
+                <a:solidFill>
+                  <a:schemeClr val="tx1"/>
+                </a:solidFill>
+                <a:effectLst>
+                  <a:outerShdw blurRad="38100" dist="19050" dir="2700000" algn="tl" rotWithShape="0">
+                    <a:schemeClr val="dk1">
+                      <a:alpha val="40000"/>
+                    </a:schemeClr>
+                  </a:outerShdw>
+                </a:effectLst>
+                <a:latin typeface="+mj-lt"/>
+                <a:cs typeface="+mj-lt"/>
+                <a:hlinkClick r:id="rId5"/>
+              </a:rPr>
+              <a:t>卷积实现过程-网页</a:t>
+            </a:r>
+            <a:endParaRPr lang="zh-CN" altLang="en-US" dirty="0">
+              <a:solidFill>
+                <a:schemeClr val="tx1"/>
+              </a:solidFill>
+              <a:effectLst>
+                <a:outerShdw blurRad="38100" dist="19050" dir="2700000" algn="tl" rotWithShape="0">
+                  <a:schemeClr val="dk1">
+                    <a:alpha val="40000"/>
+                  </a:schemeClr>
+                </a:outerShdw>
+              </a:effectLst>
+              <a:latin typeface="+mj-lt"/>
+              <a:cs typeface="+mj-lt"/>
+              <a:hlinkClick r:id="rId6" action="ppaction://hlinkfile"/>
             </a:endParaRPr>
           </a:p>
         </p:txBody>
@@ -21193,7 +21535,7 @@
           <a:lstStyle/>
           <a:p>
             <a:r>
-              <a:rPr lang="zh-CN" sz="2300" dirty="0">
+              <a:rPr lang="zh-CN" sz="2300">
                 <a:solidFill>
                   <a:srgbClr val="000000"/>
                 </a:solidFill>
@@ -21201,7 +21543,7 @@
               </a:rPr>
               <a:t>ax.yaxis.set_ticks_position('left')</a:t>
             </a:r>
-            <a:endParaRPr lang="zh-CN" sz="2300" dirty="0">
+            <a:endParaRPr lang="zh-CN" sz="2300">
               <a:solidFill>
                 <a:srgbClr val="000000"/>
               </a:solidFill>
@@ -21209,7 +21551,7 @@
           </a:p>
           <a:p>
             <a:r>
-              <a:rPr lang="zh-CN" sz="2300" dirty="0">
+              <a:rPr lang="zh-CN" sz="2300">
                 <a:solidFill>
                   <a:srgbClr val="000000"/>
                 </a:solidFill>
@@ -21217,7 +21559,7 @@
               </a:rPr>
               <a:t>ax.spines['left'].set_position(('data', 0))</a:t>
             </a:r>
-            <a:endParaRPr lang="zh-CN" sz="2300" dirty="0">
+            <a:endParaRPr lang="zh-CN" sz="2300">
               <a:solidFill>
                 <a:srgbClr val="000000"/>
               </a:solidFill>
@@ -21225,7 +21567,7 @@
           </a:p>
           <a:p>
             <a:r>
-              <a:rPr lang="zh-CN" sz="2300" dirty="0">
+              <a:rPr lang="zh-CN" sz="2300">
                 <a:solidFill>
                   <a:srgbClr val="000000"/>
                 </a:solidFill>
@@ -21233,14 +21575,14 @@
               </a:rPr>
               <a:t>#获取指定的x区间的数据</a:t>
             </a:r>
-            <a:endParaRPr lang="zh-CN" sz="2300" dirty="0">
+            <a:endParaRPr lang="zh-CN" sz="2300">
               <a:solidFill>
                 <a:srgbClr val="000000"/>
               </a:solidFill>
             </a:endParaRPr>
           </a:p>
           <a:p>
-            <a:endParaRPr lang="zh-CN" sz="2300" dirty="0">
+            <a:endParaRPr lang="zh-CN" sz="2300">
               <a:solidFill>
                 <a:srgbClr val="000000"/>
               </a:solidFill>
@@ -21248,7 +21590,7 @@
           </a:p>
           <a:p>
             <a:r>
-              <a:rPr lang="zh-CN" sz="2300" dirty="0">
+              <a:rPr lang="zh-CN" sz="2300">
                 <a:solidFill>
                   <a:srgbClr val="000000"/>
                 </a:solidFill>
@@ -21256,7 +21598,7 @@
               </a:rPr>
               <a:t>x = np.linspace(-1, 1, 1000)</a:t>
             </a:r>
-            <a:endParaRPr lang="zh-CN" sz="2300" dirty="0">
+            <a:endParaRPr lang="zh-CN" sz="2300">
               <a:solidFill>
                 <a:srgbClr val="000000"/>
               </a:solidFill>
@@ -21264,7 +21606,7 @@
           </a:p>
           <a:p>
             <a:r>
-              <a:rPr lang="zh-CN" sz="2300" dirty="0">
+              <a:rPr lang="zh-CN" sz="2300">
                 <a:solidFill>
                   <a:srgbClr val="000000"/>
                 </a:solidFill>
@@ -21272,7 +21614,7 @@
               </a:rPr>
               <a:t>x1 = np.linspace(-8, 1, 1000)</a:t>
             </a:r>
-            <a:endParaRPr lang="zh-CN" sz="2300" dirty="0">
+            <a:endParaRPr lang="zh-CN" sz="2300">
               <a:solidFill>
                 <a:srgbClr val="000000"/>
               </a:solidFill>
@@ -21280,7 +21622,7 @@
           </a:p>
           <a:p>
             <a:r>
-              <a:rPr lang="zh-CN" sz="2300" dirty="0">
+              <a:rPr lang="zh-CN" sz="2300">
                 <a:solidFill>
                   <a:srgbClr val="000000"/>
                 </a:solidFill>
@@ -21288,7 +21630,7 @@
               </a:rPr>
               <a:t>x_data, y_data = [], []</a:t>
             </a:r>
-            <a:endParaRPr lang="zh-CN" sz="2300" dirty="0">
+            <a:endParaRPr lang="zh-CN" sz="2300">
               <a:solidFill>
                 <a:srgbClr val="000000"/>
               </a:solidFill>
@@ -21296,7 +21638,7 @@
           </a:p>
           <a:p>
             <a:r>
-              <a:rPr lang="zh-CN" sz="2300" dirty="0">
+              <a:rPr lang="zh-CN" sz="2300">
                 <a:solidFill>
                   <a:srgbClr val="000000"/>
                 </a:solidFill>
@@ -21304,7 +21646,7 @@
               </a:rPr>
               <a:t>y = x1/x1        #控制固定函数</a:t>
             </a:r>
-            <a:endParaRPr lang="zh-CN" sz="2300" dirty="0">
+            <a:endParaRPr lang="zh-CN" sz="2300">
               <a:solidFill>
                 <a:srgbClr val="000000"/>
               </a:solidFill>
@@ -21312,7 +21654,7 @@
           </a:p>
           <a:p>
             <a:r>
-              <a:rPr lang="zh-CN" sz="2300" dirty="0">
+              <a:rPr lang="zh-CN" sz="2300">
                 <a:solidFill>
                   <a:srgbClr val="000000"/>
                 </a:solidFill>
@@ -21320,7 +21662,7 @@
               </a:rPr>
               <a:t>y[0] = 0</a:t>
             </a:r>
-            <a:endParaRPr lang="zh-CN" sz="2300" dirty="0">
+            <a:endParaRPr lang="zh-CN" sz="2300">
               <a:solidFill>
                 <a:srgbClr val="000000"/>
               </a:solidFill>
@@ -21328,7 +21670,7 @@
           </a:p>
           <a:p>
             <a:r>
-              <a:rPr lang="zh-CN" sz="2300" dirty="0">
+              <a:rPr lang="zh-CN" sz="2300">
                 <a:solidFill>
                   <a:srgbClr val="000000"/>
                 </a:solidFill>
@@ -21336,7 +21678,7 @@
               </a:rPr>
               <a:t>y[-1] = 0</a:t>
             </a:r>
-            <a:endParaRPr lang="zh-CN" sz="2300" dirty="0">
+            <a:endParaRPr lang="zh-CN" sz="2300">
               <a:solidFill>
                 <a:srgbClr val="000000"/>
               </a:solidFill>
@@ -21344,7 +21686,7 @@
           </a:p>
           <a:p>
             <a:r>
-              <a:rPr lang="zh-CN" sz="2300" dirty="0">
+              <a:rPr lang="zh-CN" sz="2300">
                 <a:solidFill>
                   <a:srgbClr val="000000"/>
                 </a:solidFill>
@@ -21352,7 +21694,7 @@
               </a:rPr>
               <a:t>ax.plot(x, y, "red")</a:t>
             </a:r>
-            <a:endParaRPr lang="zh-CN" sz="2300" dirty="0">
+            <a:endParaRPr lang="zh-CN" sz="2300">
               <a:solidFill>
                 <a:srgbClr val="000000"/>
               </a:solidFill>
@@ -21360,7 +21702,7 @@
           </a:p>
           <a:p>
             <a:r>
-              <a:rPr lang="zh-CN" sz="2300" dirty="0">
+              <a:rPr lang="zh-CN" sz="2300">
                 <a:solidFill>
                   <a:srgbClr val="000000"/>
                 </a:solidFill>
@@ -21368,7 +21710,7 @@
               </a:rPr>
               <a:t>def init():</a:t>
             </a:r>
-            <a:endParaRPr lang="zh-CN" sz="2300" dirty="0">
+            <a:endParaRPr lang="zh-CN" sz="2300">
               <a:solidFill>
                 <a:srgbClr val="000000"/>
               </a:solidFill>
@@ -21376,7 +21718,7 @@
           </a:p>
           <a:p>
             <a:r>
-              <a:rPr lang="zh-CN" sz="2300" dirty="0">
+              <a:rPr lang="zh-CN" sz="2300">
                 <a:solidFill>
                   <a:srgbClr val="000000"/>
                 </a:solidFill>
@@ -21384,7 +21726,7 @@
               </a:rPr>
               <a:t>    y1 = x1/x1</a:t>
             </a:r>
-            <a:endParaRPr lang="zh-CN" sz="2300" dirty="0">
+            <a:endParaRPr lang="zh-CN" sz="2300">
               <a:solidFill>
                 <a:srgbClr val="000000"/>
               </a:solidFill>
@@ -21392,7 +21734,7 @@
           </a:p>
           <a:p>
             <a:r>
-              <a:rPr lang="zh-CN" sz="2300" dirty="0">
+              <a:rPr lang="zh-CN" sz="2300">
                 <a:solidFill>
                   <a:srgbClr val="000000"/>
                 </a:solidFill>
@@ -21400,7 +21742,7 @@
               </a:rPr>
               <a:t>    line.set_data(x1,y1)</a:t>
             </a:r>
-            <a:endParaRPr lang="zh-CN" sz="2300" dirty="0">
+            <a:endParaRPr lang="zh-CN" sz="2300">
               <a:solidFill>
                 <a:srgbClr val="000000"/>
               </a:solidFill>
@@ -21408,7 +21750,7 @@
           </a:p>
           <a:p>
             <a:r>
-              <a:rPr lang="zh-CN" sz="2300" dirty="0">
+              <a:rPr lang="zh-CN" sz="2300">
                 <a:solidFill>
                   <a:srgbClr val="000000"/>
                 </a:solidFill>
@@ -21417,7 +21759,7 @@
               <a:t>    </a:t>
             </a:r>
             <a:r>
-              <a:rPr lang="en-US" altLang="zh-CN" sz="2300" dirty="0">
+              <a:rPr lang="en-US" altLang="zh-CN" sz="2300">
                 <a:solidFill>
                   <a:srgbClr val="000000"/>
                 </a:solidFill>

--- a/VSS CODE/5_卷积实现过程_3170406037_李易潼_3170406034_毛佳雁_3170406036_祝立群/PPT_3170406037_李易潼_3170406034_毛佳雁_3170406036_祝立群/PPT_3170406037_李易潼_3170406034_毛佳雁_3170406036_祝立群.pptx
+++ b/VSS CODE/5_卷积实现过程_3170406037_李易潼_3170406034_毛佳雁_3170406036_祝立群/PPT_3170406037_李易潼_3170406034_毛佳雁_3170406036_祝立群/PPT_3170406037_李易潼_3170406034_毛佳雁_3170406036_祝立群.pptx
@@ -269,7 +269,7 @@
           <a:p>
             <a:fld id="{26A9B7B9-572E-4765-8917-F290920783FD}" type="datetimeFigureOut">
               <a:rPr lang="en-US" smtClean="0"/>
-              <a:t>1/10/2019</a:t>
+              <a:t>1/18/2019</a:t>
             </a:fld>
             <a:endParaRPr lang="en-US"/>
           </a:p>
@@ -430,7 +430,7 @@
           <a:p>
             <a:fld id="{4B54BA81-6A69-41D6-AE52-62521AF76217}" type="datetimeFigureOut">
               <a:rPr lang="en-US" smtClean="0"/>
-              <a:t>1/10/2019</a:t>
+              <a:t>1/18/2019</a:t>
             </a:fld>
             <a:endParaRPr lang="en-US"/>
           </a:p>
@@ -1297,91 +1297,7 @@
           <a:bodyPr/>
           <a:lstStyle/>
           <a:p>
-            <a:r>
-              <a:rPr lang="en-US" altLang="zh-CN" dirty="0"/>
-              <a:t>https://github.com/DEisreal/DEisreal.github.io/blob/master/VSS%20CODE/5_</a:t>
-            </a:r>
-            <a:r>
-              <a:rPr lang="zh-CN" altLang="en-US" dirty="0"/>
-              <a:t>卷积实现过程</a:t>
-            </a:r>
-            <a:r>
-              <a:rPr lang="en-US" altLang="zh-CN" dirty="0"/>
-              <a:t>_3170406037_</a:t>
-            </a:r>
-            <a:r>
-              <a:rPr lang="zh-CN" altLang="en-US" dirty="0"/>
-              <a:t>李易潼</a:t>
-            </a:r>
-            <a:r>
-              <a:rPr lang="en-US" altLang="zh-CN" dirty="0"/>
-              <a:t>_3170406034_</a:t>
-            </a:r>
-            <a:r>
-              <a:rPr lang="zh-CN" altLang="en-US" dirty="0"/>
-              <a:t>毛佳雁</a:t>
-            </a:r>
-            <a:r>
-              <a:rPr lang="en-US" altLang="zh-CN" dirty="0"/>
-              <a:t>_3170406036_</a:t>
-            </a:r>
-            <a:r>
-              <a:rPr lang="zh-CN" altLang="en-US" dirty="0"/>
-              <a:t>祝立群</a:t>
-            </a:r>
-            <a:r>
-              <a:rPr lang="en-US" altLang="zh-CN" dirty="0"/>
-              <a:t>/</a:t>
-            </a:r>
-            <a:r>
-              <a:rPr lang="zh-CN" altLang="en-US" dirty="0"/>
-              <a:t>程序</a:t>
-            </a:r>
-            <a:r>
-              <a:rPr lang="en-US" altLang="zh-CN" dirty="0"/>
-              <a:t>_3170406037_</a:t>
-            </a:r>
-            <a:r>
-              <a:rPr lang="zh-CN" altLang="en-US" dirty="0"/>
-              <a:t>李易潼</a:t>
-            </a:r>
-            <a:r>
-              <a:rPr lang="en-US" altLang="zh-CN" dirty="0"/>
-              <a:t>_3170406034_</a:t>
-            </a:r>
-            <a:r>
-              <a:rPr lang="zh-CN" altLang="en-US" dirty="0"/>
-              <a:t>毛佳雁</a:t>
-            </a:r>
-            <a:r>
-              <a:rPr lang="en-US" altLang="zh-CN" dirty="0"/>
-              <a:t>_3170406036_</a:t>
-            </a:r>
-            <a:r>
-              <a:rPr lang="zh-CN" altLang="en-US" dirty="0"/>
-              <a:t>祝立群</a:t>
-            </a:r>
-            <a:r>
-              <a:rPr lang="en-US" altLang="zh-CN" dirty="0"/>
-              <a:t>/MD</a:t>
-            </a:r>
-            <a:r>
-              <a:rPr lang="zh-CN" altLang="en-US" dirty="0"/>
-              <a:t>形式</a:t>
-            </a:r>
-            <a:r>
-              <a:rPr lang="en-US" altLang="zh-CN" dirty="0"/>
-              <a:t>_</a:t>
-            </a:r>
-            <a:r>
-              <a:rPr lang="zh-CN" altLang="en-US" dirty="0"/>
-              <a:t>大作业呈现</a:t>
-            </a:r>
-            <a:r>
-              <a:rPr lang="en-US" altLang="zh-CN" dirty="0"/>
-              <a:t>.md</a:t>
-            </a:r>
-            <a:endParaRPr lang="zh-CN" altLang="en-US" dirty="0"/>
+            <a:endParaRPr lang="zh-CN" altLang="en-US"/>
           </a:p>
         </p:txBody>
       </p:sp>
@@ -4034,7 +3950,7 @@
                   </a:prstClr>
                 </a:solidFill>
               </a:rPr>
-              <a:t>2019/1/10</a:t>
+              <a:t>2019/1/18</a:t>
             </a:fld>
             <a:endParaRPr lang="zh-CN" altLang="en-US">
               <a:solidFill>
@@ -4227,7 +4143,7 @@
                   </a:prstClr>
                 </a:solidFill>
               </a:rPr>
-              <a:t>2019/1/10</a:t>
+              <a:t>2019/1/18</a:t>
             </a:fld>
             <a:endParaRPr lang="zh-CN" altLang="en-US">
               <a:solidFill>
@@ -4497,7 +4413,7 @@
                   </a:prstClr>
                 </a:solidFill>
               </a:rPr>
-              <a:t>2019/1/10</a:t>
+              <a:t>2019/1/18</a:t>
             </a:fld>
             <a:endParaRPr lang="zh-CN" altLang="en-US">
               <a:solidFill>
@@ -4807,7 +4723,7 @@
                   </a:prstClr>
                 </a:solidFill>
               </a:rPr>
-              <a:t>2019/1/10</a:t>
+              <a:t>2019/1/18</a:t>
             </a:fld>
             <a:endParaRPr lang="zh-CN" altLang="en-US">
               <a:solidFill>
@@ -5247,7 +5163,7 @@
                   </a:prstClr>
                 </a:solidFill>
               </a:rPr>
-              <a:t>2019/1/10</a:t>
+              <a:t>2019/1/18</a:t>
             </a:fld>
             <a:endParaRPr lang="zh-CN" altLang="en-US">
               <a:solidFill>
@@ -5389,7 +5305,7 @@
                   </a:prstClr>
                 </a:solidFill>
               </a:rPr>
-              <a:t>2019/1/10</a:t>
+              <a:t>2019/1/18</a:t>
             </a:fld>
             <a:endParaRPr lang="zh-CN" altLang="en-US">
               <a:solidFill>
@@ -5509,7 +5425,7 @@
                   </a:prstClr>
                 </a:solidFill>
               </a:rPr>
-              <a:t>2019/1/10</a:t>
+              <a:t>2019/1/18</a:t>
             </a:fld>
             <a:endParaRPr lang="zh-CN" altLang="en-US">
               <a:solidFill>
@@ -5809,7 +5725,7 @@
                   </a:prstClr>
                 </a:solidFill>
               </a:rPr>
-              <a:t>2019/1/10</a:t>
+              <a:t>2019/1/18</a:t>
             </a:fld>
             <a:endParaRPr lang="zh-CN" altLang="en-US">
               <a:solidFill>
@@ -6086,7 +6002,7 @@
                   </a:prstClr>
                 </a:solidFill>
               </a:rPr>
-              <a:t>2019/1/10</a:t>
+              <a:t>2019/1/18</a:t>
             </a:fld>
             <a:endParaRPr lang="zh-CN" altLang="en-US">
               <a:solidFill>
@@ -6279,7 +6195,7 @@
                   </a:prstClr>
                 </a:solidFill>
               </a:rPr>
-              <a:t>2019/1/10</a:t>
+              <a:t>2019/1/18</a:t>
             </a:fld>
             <a:endParaRPr lang="zh-CN" altLang="en-US">
               <a:solidFill>
@@ -6601,7 +6517,7 @@
                   </a:prstClr>
                 </a:solidFill>
               </a:rPr>
-              <a:t>2019/1/10</a:t>
+              <a:t>2019/1/18</a:t>
             </a:fld>
             <a:endParaRPr lang="zh-CN" altLang="en-US">
               <a:solidFill>
@@ -9087,7 +9003,7 @@
                   </a:prstClr>
                 </a:solidFill>
               </a:rPr>
-              <a:t>2019/1/10</a:t>
+              <a:t>2019/1/18</a:t>
             </a:fld>
             <a:endParaRPr lang="zh-CN" altLang="en-US">
               <a:solidFill>
@@ -9503,8 +9419,8 @@
         </p:nvSpPr>
         <p:spPr>
           <a:xfrm>
-            <a:off x="2137410" y="2432485"/>
-            <a:ext cx="7917180" cy="891540"/>
+            <a:off x="2080260" y="1832410"/>
+            <a:ext cx="8101898" cy="923330"/>
           </a:xfrm>
           <a:prstGeom prst="rect">
             <a:avLst/>
@@ -9523,7 +9439,7 @@
                 <a:solidFill>
                   <a:srgbClr val="7F2E30"/>
                 </a:solidFill>
-                <a:latin typeface="Adobe Garamond Pro Bold" panose="02020702060506020403" pitchFamily="18" charset="0"/>
+                <a:latin typeface="微软雅黑" panose="020B0503020204020204" pitchFamily="34" charset="-122"/>
                 <a:ea typeface="微软雅黑" panose="020B0503020204020204" pitchFamily="34" charset="-122"/>
                 <a:cs typeface="Aharoni" panose="02010803020104030203" pitchFamily="2" charset="-79"/>
               </a:rPr>
@@ -9534,7 +9450,7 @@
                 <a:solidFill>
                   <a:srgbClr val="7F2E30"/>
                 </a:solidFill>
-                <a:latin typeface="Adobe Garamond Pro Bold" panose="02020702060506020403" pitchFamily="18" charset="0"/>
+                <a:latin typeface="微软雅黑" panose="020B0503020204020204" pitchFamily="34" charset="-122"/>
                 <a:ea typeface="微软雅黑" panose="020B0503020204020204" pitchFamily="34" charset="-122"/>
                 <a:cs typeface="Aharoni" panose="02010803020104030203" pitchFamily="2" charset="-79"/>
               </a:rPr>
@@ -9545,7 +9461,7 @@
                 <a:solidFill>
                   <a:srgbClr val="7F2E30"/>
                 </a:solidFill>
-                <a:latin typeface="Adobe Garamond Pro Bold" panose="02020702060506020403" pitchFamily="18" charset="0"/>
+                <a:latin typeface="微软雅黑" panose="020B0503020204020204" pitchFamily="34" charset="-122"/>
                 <a:ea typeface="微软雅黑" panose="020B0503020204020204" pitchFamily="34" charset="-122"/>
                 <a:cs typeface="Aharoni" panose="02010803020104030203" pitchFamily="2" charset="-79"/>
               </a:rPr>
@@ -9558,61 +9474,6 @@
               <a:latin typeface="微软雅黑" panose="020B0503020204020204" pitchFamily="34" charset="-122"/>
               <a:ea typeface="微软雅黑" panose="020B0503020204020204" pitchFamily="34" charset="-122"/>
             </a:endParaRPr>
-          </a:p>
-        </p:txBody>
-      </p:sp>
-      <p:sp>
-        <p:nvSpPr>
-          <p:cNvPr id="1048581" name="矩形 15"/>
-          <p:cNvSpPr/>
-          <p:nvPr/>
-        </p:nvSpPr>
-        <p:spPr>
-          <a:xfrm>
-            <a:off x="5054430" y="4104880"/>
-            <a:ext cx="1224136" cy="288032"/>
-          </a:xfrm>
-          <a:prstGeom prst="rect">
-            <a:avLst/>
-          </a:prstGeom>
-          <a:solidFill>
-            <a:srgbClr val="3C3C3C"/>
-          </a:solidFill>
-          <a:ln>
-            <a:noFill/>
-          </a:ln>
-        </p:spPr>
-        <p:style>
-          <a:lnRef idx="2">
-            <a:schemeClr val="accent1">
-              <a:shade val="50000"/>
-            </a:schemeClr>
-          </a:lnRef>
-          <a:fillRef idx="1">
-            <a:schemeClr val="accent1"/>
-          </a:fillRef>
-          <a:effectRef idx="0">
-            <a:schemeClr val="accent1"/>
-          </a:effectRef>
-          <a:fontRef idx="minor">
-            <a:schemeClr val="lt1"/>
-          </a:fontRef>
-        </p:style>
-        <p:txBody>
-          <a:bodyPr rtlCol="0" anchor="ctr"/>
-          <a:lstStyle/>
-          <a:p>
-            <a:pPr algn="ctr"/>
-            <a:r>
-              <a:rPr lang="zh-CN" altLang="en-US" sz="1200" dirty="0">
-                <a:solidFill>
-                  <a:schemeClr val="bg1"/>
-                </a:solidFill>
-                <a:latin typeface="幼圆" panose="02010509060101010101" pitchFamily="49" charset="-122"/>
-                <a:ea typeface="幼圆" panose="02010509060101010101" pitchFamily="49" charset="-122"/>
-              </a:rPr>
-              <a:t>答辩</a:t>
-            </a:r>
           </a:p>
         </p:txBody>
       </p:sp>
@@ -9624,8 +9485,8 @@
         </p:nvSpPr>
         <p:spPr>
           <a:xfrm>
-            <a:off x="4226881" y="3378199"/>
-            <a:ext cx="3867150" cy="1014730"/>
+            <a:off x="4226881" y="3130549"/>
+            <a:ext cx="4478969" cy="961289"/>
           </a:xfrm>
           <a:prstGeom prst="rect">
             <a:avLst/>
@@ -9634,12 +9495,16 @@
           <a:effectLst/>
         </p:spPr>
         <p:txBody>
-          <a:bodyPr wrap="none" rtlCol="0">
+          <a:bodyPr wrap="square" rtlCol="0">
             <a:spAutoFit/>
           </a:bodyPr>
           <a:lstStyle/>
           <a:p>
-            <a:pPr algn="l"/>
+            <a:pPr algn="l">
+              <a:lnSpc>
+                <a:spcPct val="150000"/>
+              </a:lnSpc>
+            </a:pPr>
             <a:r>
               <a:rPr lang="zh-CN" altLang="zh-CN" sz="2000" b="1" dirty="0">
                 <a:solidFill>
@@ -9648,8 +9513,8 @@
                     <a:lumOff val="25000"/>
                   </a:schemeClr>
                 </a:solidFill>
-                <a:latin typeface="Kozuka Gothic Pro EL" panose="020B0200000000000000" pitchFamily="34" charset="-128"/>
-                <a:ea typeface="Kozuka Gothic Pro EL" panose="020B0200000000000000" pitchFamily="34" charset="-128"/>
+                <a:latin typeface="微软雅黑" panose="020B0503020204020204" pitchFamily="34" charset="-122"/>
+                <a:ea typeface="微软雅黑" panose="020B0503020204020204" pitchFamily="34" charset="-122"/>
                 <a:cs typeface="Segoe UI Semilight" panose="020B0402040204020203" pitchFamily="34" charset="0"/>
                 <a:sym typeface="+mn-ea"/>
               </a:rPr>
@@ -9663,12 +9528,12 @@
                     <a:lumOff val="25000"/>
                   </a:schemeClr>
                 </a:solidFill>
-                <a:latin typeface="Kozuka Gothic Pro EL" panose="020B0200000000000000" pitchFamily="34" charset="-128"/>
-                <a:ea typeface="Kozuka Gothic Pro EL" panose="020B0200000000000000" pitchFamily="34" charset="-128"/>
+                <a:latin typeface="微软雅黑" panose="020B0503020204020204" pitchFamily="34" charset="-122"/>
+                <a:ea typeface="微软雅黑" panose="020B0503020204020204" pitchFamily="34" charset="-122"/>
                 <a:cs typeface="Segoe UI Semilight" panose="020B0402040204020203" pitchFamily="34" charset="0"/>
                 <a:sym typeface="+mn-ea"/>
               </a:rPr>
-              <a:t>     </a:t>
+              <a:t>      </a:t>
             </a:r>
             <a:r>
               <a:rPr lang="zh-CN" altLang="zh-CN" sz="2000" b="1" dirty="0">
@@ -9678,8 +9543,8 @@
                     <a:lumOff val="25000"/>
                   </a:schemeClr>
                 </a:solidFill>
-                <a:latin typeface="Kozuka Gothic Pro EL" panose="020B0200000000000000" pitchFamily="34" charset="-128"/>
-                <a:ea typeface="Kozuka Gothic Pro EL" panose="020B0200000000000000" pitchFamily="34" charset="-128"/>
+                <a:latin typeface="微软雅黑" panose="020B0503020204020204" pitchFamily="34" charset="-122"/>
+                <a:ea typeface="微软雅黑" panose="020B0503020204020204" pitchFamily="34" charset="-122"/>
                 <a:cs typeface="Segoe UI Semilight" panose="020B0402040204020203" pitchFamily="34" charset="0"/>
                 <a:sym typeface="+mn-ea"/>
               </a:rPr>
@@ -9692,13 +9557,17 @@
                   <a:lumOff val="25000"/>
                 </a:schemeClr>
               </a:solidFill>
-              <a:latin typeface="Kozuka Gothic Pro EL" panose="020B0200000000000000" pitchFamily="34" charset="-128"/>
-              <a:ea typeface="Kozuka Gothic Pro EL" panose="020B0200000000000000" pitchFamily="34" charset="-128"/>
+              <a:latin typeface="微软雅黑" panose="020B0503020204020204" pitchFamily="34" charset="-122"/>
+              <a:ea typeface="微软雅黑" panose="020B0503020204020204" pitchFamily="34" charset="-122"/>
               <a:cs typeface="Segoe UI Semilight" panose="020B0402040204020203" pitchFamily="34" charset="0"/>
             </a:endParaRPr>
           </a:p>
           <a:p>
-            <a:pPr algn="l"/>
+            <a:pPr algn="l">
+              <a:lnSpc>
+                <a:spcPct val="150000"/>
+              </a:lnSpc>
+            </a:pPr>
             <a:r>
               <a:rPr lang="zh-CN" altLang="en-US" sz="2000" b="1" dirty="0">
                 <a:solidFill>
@@ -9707,8 +9576,8 @@
                     <a:lumOff val="25000"/>
                   </a:schemeClr>
                 </a:solidFill>
-                <a:latin typeface="Kozuka Gothic Pro EL" panose="020B0200000000000000" pitchFamily="34" charset="-128"/>
-                <a:ea typeface="Kozuka Gothic Pro EL" panose="020B0200000000000000" pitchFamily="34" charset="-128"/>
+                <a:latin typeface="微软雅黑" panose="020B0503020204020204" pitchFamily="34" charset="-122"/>
+                <a:ea typeface="微软雅黑" panose="020B0503020204020204" pitchFamily="34" charset="-122"/>
                 <a:cs typeface="Segoe UI Semilight" panose="020B0402040204020203" pitchFamily="34" charset="0"/>
               </a:rPr>
               <a:t>小组成员：李易潼</a:t>
@@ -9721,8 +9590,8 @@
                     <a:lumOff val="25000"/>
                   </a:schemeClr>
                 </a:solidFill>
-                <a:latin typeface="Kozuka Gothic Pro EL" panose="020B0200000000000000" pitchFamily="34" charset="-128"/>
-                <a:ea typeface="Kozuka Gothic Pro EL" panose="020B0200000000000000" pitchFamily="34" charset="-128"/>
+                <a:latin typeface="微软雅黑" panose="020B0503020204020204" pitchFamily="34" charset="-122"/>
+                <a:ea typeface="微软雅黑" panose="020B0503020204020204" pitchFamily="34" charset="-122"/>
                 <a:cs typeface="Segoe UI Semilight" panose="020B0402040204020203" pitchFamily="34" charset="0"/>
               </a:rPr>
               <a:t> </a:t>
@@ -9735,8 +9604,8 @@
                     <a:lumOff val="25000"/>
                   </a:schemeClr>
                 </a:solidFill>
-                <a:latin typeface="Kozuka Gothic Pro EL" panose="020B0200000000000000" pitchFamily="34" charset="-128"/>
-                <a:ea typeface="Kozuka Gothic Pro EL" panose="020B0200000000000000" pitchFamily="34" charset="-128"/>
+                <a:latin typeface="微软雅黑" panose="020B0503020204020204" pitchFamily="34" charset="-122"/>
+                <a:ea typeface="微软雅黑" panose="020B0503020204020204" pitchFamily="34" charset="-122"/>
                 <a:cs typeface="Segoe UI Semilight" panose="020B0402040204020203" pitchFamily="34" charset="0"/>
               </a:rPr>
               <a:t>毛佳雁</a:t>
@@ -9749,8 +9618,8 @@
                     <a:lumOff val="25000"/>
                   </a:schemeClr>
                 </a:solidFill>
-                <a:latin typeface="Kozuka Gothic Pro EL" panose="020B0200000000000000" pitchFamily="34" charset="-128"/>
-                <a:ea typeface="Kozuka Gothic Pro EL" panose="020B0200000000000000" pitchFamily="34" charset="-128"/>
+                <a:latin typeface="微软雅黑" panose="020B0503020204020204" pitchFamily="34" charset="-122"/>
+                <a:ea typeface="微软雅黑" panose="020B0503020204020204" pitchFamily="34" charset="-122"/>
                 <a:cs typeface="Segoe UI Semilight" panose="020B0402040204020203" pitchFamily="34" charset="0"/>
               </a:rPr>
               <a:t> </a:t>
@@ -9763,8 +9632,8 @@
                     <a:lumOff val="25000"/>
                   </a:schemeClr>
                 </a:solidFill>
-                <a:latin typeface="Kozuka Gothic Pro EL" panose="020B0200000000000000" pitchFamily="34" charset="-128"/>
-                <a:ea typeface="Kozuka Gothic Pro EL" panose="020B0200000000000000" pitchFamily="34" charset="-128"/>
+                <a:latin typeface="微软雅黑" panose="020B0503020204020204" pitchFamily="34" charset="-122"/>
+                <a:ea typeface="微软雅黑" panose="020B0503020204020204" pitchFamily="34" charset="-122"/>
                 <a:cs typeface="Segoe UI Semilight" panose="020B0402040204020203" pitchFamily="34" charset="0"/>
               </a:rPr>
               <a:t>祝立群</a:t>
@@ -9776,85 +9645,144 @@
                   <a:lumOff val="25000"/>
                 </a:schemeClr>
               </a:solidFill>
-              <a:latin typeface="Kozuka Gothic Pro EL" panose="020B0200000000000000" pitchFamily="34" charset="-128"/>
-              <a:ea typeface="Kozuka Gothic Pro EL" panose="020B0200000000000000" pitchFamily="34" charset="-128"/>
+              <a:latin typeface="微软雅黑" panose="020B0503020204020204" pitchFamily="34" charset="-122"/>
+              <a:ea typeface="微软雅黑" panose="020B0503020204020204" pitchFamily="34" charset="-122"/>
               <a:cs typeface="Segoe UI Semilight" panose="020B0402040204020203" pitchFamily="34" charset="0"/>
             </a:endParaRPr>
           </a:p>
-          <a:p>
-            <a:pPr algn="l"/>
-            <a:r>
-              <a:rPr lang="en-US" altLang="zh-CN" sz="2000" b="1" dirty="0">
-                <a:solidFill>
-                  <a:schemeClr val="tx1">
-                    <a:lumMod val="75000"/>
-                    <a:lumOff val="25000"/>
-                  </a:schemeClr>
-                </a:solidFill>
-                <a:latin typeface="Kozuka Gothic Pro EL" panose="020B0200000000000000" pitchFamily="34" charset="-128"/>
-                <a:ea typeface="Kozuka Gothic Pro EL" panose="020B0200000000000000" pitchFamily="34" charset="-128"/>
-                <a:cs typeface="Segoe UI Semilight" panose="020B0402040204020203" pitchFamily="34" charset="0"/>
-              </a:rPr>
-              <a:t> </a:t>
-            </a:r>
-            <a:endParaRPr lang="zh-CN" altLang="en-US" sz="2000" dirty="0">
-              <a:solidFill>
-                <a:schemeClr val="tx1">
-                  <a:lumMod val="75000"/>
-                  <a:lumOff val="25000"/>
-                </a:schemeClr>
-              </a:solidFill>
-              <a:latin typeface="Kozuka Gothic Pro EL" panose="020B0200000000000000" pitchFamily="34" charset="-128"/>
-              <a:ea typeface="Kozuka Gothic Pro EL" panose="020B0200000000000000" pitchFamily="34" charset="-128"/>
-              <a:cs typeface="Segoe UI Semilight" panose="020B0402040204020203" pitchFamily="34" charset="0"/>
-            </a:endParaRPr>
-          </a:p>
         </p:txBody>
       </p:sp>
-      <p:sp>
-        <p:nvSpPr>
-          <p:cNvPr id="1048583" name="矩形 20"/>
-          <p:cNvSpPr/>
+      <p:grpSp>
+        <p:nvGrpSpPr>
+          <p:cNvPr id="2" name="组合 1">
+            <a:extLst>
+              <a:ext uri="{FF2B5EF4-FFF2-40B4-BE49-F238E27FC236}">
+                <a16:creationId xmlns:a16="http://schemas.microsoft.com/office/drawing/2014/main" id="{9B4FC0E6-FB70-420B-BFF3-0B5A0143335F}"/>
+              </a:ext>
+            </a:extLst>
+          </p:cNvPr>
+          <p:cNvGrpSpPr/>
           <p:nvPr/>
-        </p:nvSpPr>
-        <p:spPr>
+        </p:nvGrpSpPr>
+        <p:grpSpPr>
           <a:xfrm>
-            <a:off x="6350574" y="4104880"/>
-            <a:ext cx="1224136" cy="288032"/>
+            <a:off x="4616291" y="4543030"/>
+            <a:ext cx="2959419" cy="468000"/>
+            <a:chOff x="4863930" y="4543030"/>
+            <a:chExt cx="2959419" cy="468000"/>
           </a:xfrm>
-          <a:prstGeom prst="rect">
-            <a:avLst/>
-          </a:prstGeom>
-          <a:noFill/>
-          <a:ln>
+        </p:grpSpPr>
+        <p:sp>
+          <p:nvSpPr>
+            <p:cNvPr id="1048581" name="矩形 15"/>
+            <p:cNvSpPr/>
+            <p:nvPr/>
+          </p:nvSpPr>
+          <p:spPr>
+            <a:xfrm>
+              <a:off x="4863930" y="4543030"/>
+              <a:ext cx="1368000" cy="468000"/>
+            </a:xfrm>
+            <a:prstGeom prst="rect">
+              <a:avLst/>
+            </a:prstGeom>
             <a:solidFill>
               <a:srgbClr val="3C3C3C"/>
             </a:solidFill>
-          </a:ln>
-        </p:spPr>
-        <p:style>
-          <a:lnRef idx="2">
-            <a:schemeClr val="accent1">
-              <a:shade val="50000"/>
-            </a:schemeClr>
-          </a:lnRef>
-          <a:fillRef idx="1">
-            <a:schemeClr val="accent1"/>
-          </a:fillRef>
-          <a:effectRef idx="0">
-            <a:schemeClr val="accent1"/>
-          </a:effectRef>
-          <a:fontRef idx="minor">
-            <a:schemeClr val="lt1"/>
-          </a:fontRef>
-        </p:style>
-        <p:txBody>
-          <a:bodyPr rtlCol="0" anchor="ctr"/>
-          <a:lstStyle/>
-          <a:p>
-            <a:pPr algn="ctr"/>
-            <a:r>
-              <a:rPr lang="en-US" altLang="zh-CN" sz="1200" dirty="0">
+            <a:ln>
+              <a:noFill/>
+            </a:ln>
+          </p:spPr>
+          <p:style>
+            <a:lnRef idx="2">
+              <a:schemeClr val="accent1">
+                <a:shade val="50000"/>
+              </a:schemeClr>
+            </a:lnRef>
+            <a:fillRef idx="1">
+              <a:schemeClr val="accent1"/>
+            </a:fillRef>
+            <a:effectRef idx="0">
+              <a:schemeClr val="accent1"/>
+            </a:effectRef>
+            <a:fontRef idx="minor">
+              <a:schemeClr val="lt1"/>
+            </a:fontRef>
+          </p:style>
+          <p:txBody>
+            <a:bodyPr rtlCol="0" anchor="ctr"/>
+            <a:lstStyle/>
+            <a:p>
+              <a:pPr algn="ctr"/>
+              <a:r>
+                <a:rPr lang="zh-CN" altLang="en-US" b="1" dirty="0">
+                  <a:solidFill>
+                    <a:schemeClr val="bg1"/>
+                  </a:solidFill>
+                  <a:latin typeface="幼圆" panose="02010509060101010101" pitchFamily="49" charset="-122"/>
+                  <a:ea typeface="幼圆" panose="02010509060101010101" pitchFamily="49" charset="-122"/>
+                </a:rPr>
+                <a:t>答辩</a:t>
+              </a:r>
+            </a:p>
+          </p:txBody>
+        </p:sp>
+        <p:sp>
+          <p:nvSpPr>
+            <p:cNvPr id="1048583" name="矩形 20"/>
+            <p:cNvSpPr/>
+            <p:nvPr/>
+          </p:nvSpPr>
+          <p:spPr>
+            <a:xfrm>
+              <a:off x="6455349" y="4543030"/>
+              <a:ext cx="1368000" cy="468000"/>
+            </a:xfrm>
+            <a:prstGeom prst="rect">
+              <a:avLst/>
+            </a:prstGeom>
+            <a:noFill/>
+            <a:ln>
+              <a:solidFill>
+                <a:srgbClr val="3C3C3C"/>
+              </a:solidFill>
+            </a:ln>
+          </p:spPr>
+          <p:style>
+            <a:lnRef idx="2">
+              <a:schemeClr val="accent1">
+                <a:shade val="50000"/>
+              </a:schemeClr>
+            </a:lnRef>
+            <a:fillRef idx="1">
+              <a:schemeClr val="accent1"/>
+            </a:fillRef>
+            <a:effectRef idx="0">
+              <a:schemeClr val="accent1"/>
+            </a:effectRef>
+            <a:fontRef idx="minor">
+              <a:schemeClr val="lt1"/>
+            </a:fontRef>
+          </p:style>
+          <p:txBody>
+            <a:bodyPr rtlCol="0" anchor="ctr"/>
+            <a:lstStyle/>
+            <a:p>
+              <a:pPr algn="ctr"/>
+              <a:r>
+                <a:rPr lang="en-US" altLang="zh-CN" dirty="0">
+                  <a:solidFill>
+                    <a:schemeClr val="tx1">
+                      <a:lumMod val="85000"/>
+                      <a:lumOff val="15000"/>
+                    </a:schemeClr>
+                  </a:solidFill>
+                  <a:latin typeface="幼圆" panose="02010509060101010101" pitchFamily="49" charset="-122"/>
+                  <a:ea typeface="幼圆" panose="02010509060101010101" pitchFamily="49" charset="-122"/>
+                </a:rPr>
+                <a:t>2019.1.3</a:t>
+              </a:r>
+              <a:endParaRPr lang="zh-CN" altLang="en-US" dirty="0">
                 <a:solidFill>
                   <a:schemeClr val="tx1">
                     <a:lumMod val="85000"/>
@@ -9863,22 +9791,11 @@
                 </a:solidFill>
                 <a:latin typeface="幼圆" panose="02010509060101010101" pitchFamily="49" charset="-122"/>
                 <a:ea typeface="幼圆" panose="02010509060101010101" pitchFamily="49" charset="-122"/>
-              </a:rPr>
-              <a:t>2019.1.3</a:t>
-            </a:r>
-            <a:endParaRPr lang="zh-CN" altLang="en-US" sz="1200" dirty="0">
-              <a:solidFill>
-                <a:schemeClr val="tx1">
-                  <a:lumMod val="85000"/>
-                  <a:lumOff val="15000"/>
-                </a:schemeClr>
-              </a:solidFill>
-              <a:latin typeface="幼圆" panose="02010509060101010101" pitchFamily="49" charset="-122"/>
-              <a:ea typeface="幼圆" panose="02010509060101010101" pitchFamily="49" charset="-122"/>
-            </a:endParaRPr>
-          </a:p>
-        </p:txBody>
-      </p:sp>
+              </a:endParaRPr>
+            </a:p>
+          </p:txBody>
+        </p:sp>
+      </p:grpSp>
     </p:spTree>
     <p:custDataLst>
       <p:tags r:id="rId1"/>
@@ -10178,188 +10095,6 @@
                       </p:childTnLst>
                     </p:cTn>
                   </p:par>
-                  <p:par>
-                    <p:cTn id="20" fill="hold">
-                      <p:stCondLst>
-                        <p:cond delay="indefinite"/>
-                      </p:stCondLst>
-                      <p:childTnLst>
-                        <p:par>
-                          <p:cTn id="21" fill="hold">
-                            <p:stCondLst>
-                              <p:cond delay="0"/>
-                            </p:stCondLst>
-                            <p:childTnLst>
-                              <p:par>
-                                <p:cTn id="22" presetID="2" presetClass="entr" presetSubtype="2" fill="hold" grpId="0" nodeType="clickEffect">
-                                  <p:stCondLst>
-                                    <p:cond delay="0"/>
-                                  </p:stCondLst>
-                                  <p:childTnLst>
-                                    <p:set>
-                                      <p:cBhvr>
-                                        <p:cTn id="23" dur="1" fill="hold">
-                                          <p:stCondLst>
-                                            <p:cond delay="0"/>
-                                          </p:stCondLst>
-                                        </p:cTn>
-                                        <p:tgtEl>
-                                          <p:spTgt spid="1048581"/>
-                                        </p:tgtEl>
-                                        <p:attrNameLst>
-                                          <p:attrName>style.visibility</p:attrName>
-                                        </p:attrNameLst>
-                                      </p:cBhvr>
-                                      <p:to>
-                                        <p:strVal val="visible"/>
-                                      </p:to>
-                                    </p:set>
-                                    <p:anim calcmode="lin" valueType="num">
-                                      <p:cBhvr additive="base">
-                                        <p:cTn id="24" dur="500" fill="hold"/>
-                                        <p:tgtEl>
-                                          <p:spTgt spid="1048581"/>
-                                        </p:tgtEl>
-                                        <p:attrNameLst>
-                                          <p:attrName>ppt_x</p:attrName>
-                                        </p:attrNameLst>
-                                      </p:cBhvr>
-                                      <p:tavLst>
-                                        <p:tav tm="0">
-                                          <p:val>
-                                            <p:strVal val="1+#ppt_w/2"/>
-                                          </p:val>
-                                        </p:tav>
-                                        <p:tav tm="100000">
-                                          <p:val>
-                                            <p:strVal val="#ppt_x"/>
-                                          </p:val>
-                                        </p:tav>
-                                      </p:tavLst>
-                                    </p:anim>
-                                    <p:anim calcmode="lin" valueType="num">
-                                      <p:cBhvr additive="base">
-                                        <p:cTn id="25" dur="500" fill="hold"/>
-                                        <p:tgtEl>
-                                          <p:spTgt spid="1048581"/>
-                                        </p:tgtEl>
-                                        <p:attrNameLst>
-                                          <p:attrName>ppt_y</p:attrName>
-                                        </p:attrNameLst>
-                                      </p:cBhvr>
-                                      <p:tavLst>
-                                        <p:tav tm="0">
-                                          <p:val>
-                                            <p:strVal val="#ppt_y"/>
-                                          </p:val>
-                                        </p:tav>
-                                        <p:tav tm="100000">
-                                          <p:val>
-                                            <p:strVal val="#ppt_y"/>
-                                          </p:val>
-                                        </p:tav>
-                                      </p:tavLst>
-                                    </p:anim>
-                                  </p:childTnLst>
-                                </p:cTn>
-                              </p:par>
-                            </p:childTnLst>
-                          </p:cTn>
-                        </p:par>
-                      </p:childTnLst>
-                    </p:cTn>
-                  </p:par>
-                  <p:par>
-                    <p:cTn id="26" fill="hold">
-                      <p:stCondLst>
-                        <p:cond delay="indefinite"/>
-                      </p:stCondLst>
-                      <p:childTnLst>
-                        <p:par>
-                          <p:cTn id="27" fill="hold">
-                            <p:stCondLst>
-                              <p:cond delay="0"/>
-                            </p:stCondLst>
-                            <p:childTnLst>
-                              <p:par>
-                                <p:cTn id="28" presetID="2" presetClass="entr" presetSubtype="2" fill="hold" grpId="0" nodeType="clickEffect">
-                                  <p:stCondLst>
-                                    <p:cond delay="0"/>
-                                  </p:stCondLst>
-                                  <p:childTnLst>
-                                    <p:set>
-                                      <p:cBhvr>
-                                        <p:cTn id="29" dur="1" fill="hold">
-                                          <p:stCondLst>
-                                            <p:cond delay="0"/>
-                                          </p:stCondLst>
-                                        </p:cTn>
-                                        <p:tgtEl>
-                                          <p:spTgt spid="1048583"/>
-                                        </p:tgtEl>
-                                        <p:attrNameLst>
-                                          <p:attrName>style.visibility</p:attrName>
-                                        </p:attrNameLst>
-                                      </p:cBhvr>
-                                      <p:to>
-                                        <p:strVal val="visible"/>
-                                      </p:to>
-                                    </p:set>
-                                    <p:anim calcmode="lin" valueType="num">
-                                      <p:cBhvr additive="base">
-                                        <p:cTn id="30" dur="500" fill="hold"/>
-                                        <p:tgtEl>
-                                          <p:spTgt spid="1048583"/>
-                                        </p:tgtEl>
-                                        <p:attrNameLst>
-                                          <p:attrName>ppt_x</p:attrName>
-                                        </p:attrNameLst>
-                                      </p:cBhvr>
-                                      <p:tavLst>
-                                        <p:tav tm="0">
-                                          <p:val>
-                                            <p:strVal val="1+#ppt_w/2"/>
-                                          </p:val>
-                                        </p:tav>
-                                        <p:tav tm="100000">
-                                          <p:val>
-                                            <p:strVal val="#ppt_x"/>
-                                          </p:val>
-                                        </p:tav>
-                                      </p:tavLst>
-                                    </p:anim>
-                                    <p:anim calcmode="lin" valueType="num">
-                                      <p:cBhvr additive="base">
-                                        <p:cTn id="31" dur="500" fill="hold"/>
-                                        <p:tgtEl>
-                                          <p:spTgt spid="1048583"/>
-                                        </p:tgtEl>
-                                        <p:attrNameLst>
-                                          <p:attrName>ppt_y</p:attrName>
-                                        </p:attrNameLst>
-                                      </p:cBhvr>
-                                      <p:tavLst>
-                                        <p:tav tm="0">
-                                          <p:val>
-                                            <p:strVal val="#ppt_y"/>
-                                          </p:val>
-                                        </p:tav>
-                                        <p:tav tm="100000">
-                                          <p:val>
-                                            <p:strVal val="#ppt_y"/>
-                                          </p:val>
-                                        </p:tav>
-                                      </p:tavLst>
-                                    </p:anim>
-                                  </p:childTnLst>
-                                </p:cTn>
-                              </p:par>
-                            </p:childTnLst>
-                          </p:cTn>
-                        </p:par>
-                      </p:childTnLst>
-                    </p:cTn>
-                  </p:par>
                 </p:childTnLst>
               </p:cTn>
               <p:prevCondLst>
@@ -10383,9 +10118,7 @@
     </p:tnLst>
     <p:bldLst>
       <p:bldP spid="1048580" grpId="0" bldLvl="0" animBg="1"/>
-      <p:bldP spid="1048581" grpId="0" animBg="1"/>
       <p:bldP spid="1048582" grpId="0" bldLvl="0" animBg="1"/>
-      <p:bldP spid="1048583" grpId="0" animBg="1"/>
     </p:bldLst>
   </p:timing>
 </p:sld>
@@ -10474,7 +10207,7 @@
           <a:p>
             <a:pPr algn="ctr" defTabSz="1176655"/>
             <a:r>
-              <a:rPr lang="zh-CN" altLang="zh-CN" sz="2400" dirty="0">
+              <a:rPr lang="zh-CN" altLang="zh-CN" sz="2400" b="1" dirty="0">
                 <a:solidFill>
                   <a:srgbClr val="3C3C3C"/>
                 </a:solidFill>
@@ -10483,7 +10216,7 @@
               </a:rPr>
               <a:t>实现过程</a:t>
             </a:r>
-            <a:endParaRPr lang="en-GB" altLang="zh-CN" sz="2400" dirty="0">
+            <a:endParaRPr lang="en-GB" altLang="zh-CN" sz="2400" b="1" dirty="0">
               <a:solidFill>
                 <a:srgbClr val="3C3C3C"/>
               </a:solidFill>
@@ -10503,8 +10236,8 @@
         </p:nvSpPr>
         <p:spPr bwMode="auto">
           <a:xfrm>
-            <a:off x="877453" y="2234154"/>
-            <a:ext cx="1405890" cy="374650"/>
+            <a:off x="677428" y="2234154"/>
+            <a:ext cx="1428903" cy="377020"/>
           </a:xfrm>
           <a:prstGeom prst="rect">
             <a:avLst/>
@@ -10706,7 +10439,7 @@
               <a:buNone/>
             </a:pPr>
             <a:r>
-              <a:rPr lang="zh-CN" altLang="en-US" sz="2000" dirty="0">
+              <a:rPr lang="zh-CN" altLang="en-US" sz="2000" b="1" dirty="0">
                 <a:solidFill>
                   <a:schemeClr val="tx1">
                     <a:lumMod val="85000"/>
@@ -10719,7 +10452,7 @@
               </a:rPr>
               <a:t>图解法解题</a:t>
             </a:r>
-            <a:endParaRPr lang="zh-CN" altLang="en-US" sz="2000"/>
+            <a:endParaRPr lang="zh-CN" altLang="en-US" sz="2000" b="1" dirty="0"/>
           </a:p>
         </p:txBody>
       </p:sp>
@@ -11054,72 +10787,6 @@
           </a:p>
         </p:txBody>
       </p:sp>
-      <p:pic>
-        <p:nvPicPr>
-          <p:cNvPr id="2097167" name="图片 2097166"/>
-          <p:cNvPicPr/>
-          <p:nvPr/>
-        </p:nvPicPr>
-        <p:blipFill>
-          <a:blip r:embed="rId5"/>
-          <a:stretch>
-            <a:fillRect/>
-          </a:stretch>
-        </p:blipFill>
-        <p:spPr>
-          <a:xfrm>
-            <a:off x="5277769" y="1394133"/>
-            <a:ext cx="3180387" cy="2722934"/>
-          </a:xfrm>
-          <a:prstGeom prst="rect">
-            <a:avLst/>
-          </a:prstGeom>
-        </p:spPr>
-      </p:pic>
-      <p:pic>
-        <p:nvPicPr>
-          <p:cNvPr id="2097168" name="图片 2097167"/>
-          <p:cNvPicPr/>
-          <p:nvPr/>
-        </p:nvPicPr>
-        <p:blipFill>
-          <a:blip r:embed="rId6"/>
-          <a:stretch>
-            <a:fillRect/>
-          </a:stretch>
-        </p:blipFill>
-        <p:spPr>
-          <a:xfrm>
-            <a:off x="8351876" y="1508759"/>
-            <a:ext cx="2864099" cy="2493680"/>
-          </a:xfrm>
-          <a:prstGeom prst="rect">
-            <a:avLst/>
-          </a:prstGeom>
-        </p:spPr>
-      </p:pic>
-      <p:pic>
-        <p:nvPicPr>
-          <p:cNvPr id="2097169" name="图片 2097168"/>
-          <p:cNvPicPr/>
-          <p:nvPr/>
-        </p:nvPicPr>
-        <p:blipFill>
-          <a:blip r:embed="rId7"/>
-          <a:stretch>
-            <a:fillRect/>
-          </a:stretch>
-        </p:blipFill>
-        <p:spPr>
-          <a:xfrm>
-            <a:off x="5043072" y="4116510"/>
-            <a:ext cx="3648397" cy="2467719"/>
-          </a:xfrm>
-          <a:prstGeom prst="rect">
-            <a:avLst/>
-          </a:prstGeom>
-        </p:spPr>
-      </p:pic>
       <p:sp>
         <p:nvSpPr>
           <p:cNvPr id="1048655" name="文本框 1048654"/>
@@ -11161,7 +10828,151 @@
       </p:sp>
       <p:pic>
         <p:nvPicPr>
-          <p:cNvPr id="2" name="图片 0" descr="连续信号卷积"/>
+          <p:cNvPr id="3" name="图片 2" descr="截图-1"/>
+          <p:cNvPicPr>
+            <a:picLocks noChangeAspect="1"/>
+          </p:cNvPicPr>
+          <p:nvPr/>
+        </p:nvPicPr>
+        <p:blipFill>
+          <a:blip r:embed="rId5"/>
+          <a:stretch>
+            <a:fillRect/>
+          </a:stretch>
+        </p:blipFill>
+        <p:spPr>
+          <a:xfrm>
+            <a:off x="5277485" y="1421130"/>
+            <a:ext cx="3381375" cy="2763520"/>
+          </a:xfrm>
+          <a:prstGeom prst="rect">
+            <a:avLst/>
+          </a:prstGeom>
+        </p:spPr>
+      </p:pic>
+      <p:pic>
+        <p:nvPicPr>
+          <p:cNvPr id="4" name="图片 3" descr="截图-2"/>
+          <p:cNvPicPr>
+            <a:picLocks noChangeAspect="1"/>
+          </p:cNvPicPr>
+          <p:nvPr/>
+        </p:nvPicPr>
+        <p:blipFill>
+          <a:blip r:embed="rId6"/>
+          <a:stretch>
+            <a:fillRect/>
+          </a:stretch>
+        </p:blipFill>
+        <p:spPr>
+          <a:xfrm>
+            <a:off x="8522335" y="1387475"/>
+            <a:ext cx="3517265" cy="2680970"/>
+          </a:xfrm>
+          <a:prstGeom prst="rect">
+            <a:avLst/>
+          </a:prstGeom>
+        </p:spPr>
+      </p:pic>
+      <p:pic>
+        <p:nvPicPr>
+          <p:cNvPr id="5" name="图片 4" descr="截图-2"/>
+          <p:cNvPicPr>
+            <a:picLocks noChangeAspect="1"/>
+          </p:cNvPicPr>
+          <p:nvPr/>
+        </p:nvPicPr>
+        <p:blipFill>
+          <a:blip r:embed="rId6"/>
+          <a:stretch>
+            <a:fillRect/>
+          </a:stretch>
+        </p:blipFill>
+        <p:spPr>
+          <a:xfrm>
+            <a:off x="8576310" y="1503680"/>
+            <a:ext cx="3517265" cy="2680970"/>
+          </a:xfrm>
+          <a:prstGeom prst="rect">
+            <a:avLst/>
+          </a:prstGeom>
+        </p:spPr>
+      </p:pic>
+      <p:pic>
+        <p:nvPicPr>
+          <p:cNvPr id="6" name="图片 5" descr="截图-2"/>
+          <p:cNvPicPr>
+            <a:picLocks noChangeAspect="1"/>
+          </p:cNvPicPr>
+          <p:nvPr/>
+        </p:nvPicPr>
+        <p:blipFill>
+          <a:blip r:embed="rId6"/>
+          <a:stretch>
+            <a:fillRect/>
+          </a:stretch>
+        </p:blipFill>
+        <p:spPr>
+          <a:xfrm>
+            <a:off x="8576310" y="1435735"/>
+            <a:ext cx="3517265" cy="2680970"/>
+          </a:xfrm>
+          <a:prstGeom prst="rect">
+            <a:avLst/>
+          </a:prstGeom>
+        </p:spPr>
+      </p:pic>
+      <p:pic>
+        <p:nvPicPr>
+          <p:cNvPr id="7" name="图片 6" descr="截图-2"/>
+          <p:cNvPicPr>
+            <a:picLocks noChangeAspect="1"/>
+          </p:cNvPicPr>
+          <p:nvPr/>
+        </p:nvPicPr>
+        <p:blipFill>
+          <a:blip r:embed="rId6"/>
+          <a:stretch>
+            <a:fillRect/>
+          </a:stretch>
+        </p:blipFill>
+        <p:spPr>
+          <a:xfrm>
+            <a:off x="8487410" y="1435735"/>
+            <a:ext cx="3587115" cy="2734310"/>
+          </a:xfrm>
+          <a:prstGeom prst="rect">
+            <a:avLst/>
+          </a:prstGeom>
+        </p:spPr>
+      </p:pic>
+      <p:pic>
+        <p:nvPicPr>
+          <p:cNvPr id="8" name="图片 7" descr="截图-3"/>
+          <p:cNvPicPr>
+            <a:picLocks noChangeAspect="1"/>
+          </p:cNvPicPr>
+          <p:nvPr/>
+        </p:nvPicPr>
+        <p:blipFill>
+          <a:blip r:embed="rId7"/>
+          <a:stretch>
+            <a:fillRect/>
+          </a:stretch>
+        </p:blipFill>
+        <p:spPr>
+          <a:xfrm>
+            <a:off x="5160010" y="4184650"/>
+            <a:ext cx="3211830" cy="2578735"/>
+          </a:xfrm>
+          <a:prstGeom prst="rect">
+            <a:avLst/>
+          </a:prstGeom>
+        </p:spPr>
+      </p:pic>
+      <p:pic>
+        <p:nvPicPr>
+          <p:cNvPr id="10" name="图片 9" descr="连续信号卷积"/>
           <p:cNvPicPr>
             <a:picLocks noChangeAspect="1"/>
           </p:cNvPicPr>
@@ -11175,8 +10986,8 @@
         </p:blipFill>
         <p:spPr>
           <a:xfrm>
-            <a:off x="8352155" y="3899535"/>
-            <a:ext cx="3622040" cy="2716530"/>
+            <a:off x="8487410" y="4170045"/>
+            <a:ext cx="3255645" cy="2442210"/>
           </a:xfrm>
           <a:prstGeom prst="rect">
             <a:avLst/>
@@ -11431,7 +11242,7 @@
         <p:spPr>
           <a:xfrm>
             <a:off x="4223792" y="3535330"/>
-            <a:ext cx="3744416" cy="704214"/>
+            <a:ext cx="3744416" cy="731610"/>
           </a:xfrm>
           <a:prstGeom prst="rect">
             <a:avLst/>
@@ -11599,7 +11410,7 @@
           <a:p>
             <a:pPr algn="ctr"/>
             <a:r>
-              <a:rPr lang="zh-CN" altLang="en-US" sz="2400" dirty="0">
+              <a:rPr lang="zh-CN" altLang="en-US" sz="2400" b="1" dirty="0">
                 <a:solidFill>
                   <a:srgbClr val="3C3C3C"/>
                 </a:solidFill>
@@ -11608,19 +11419,19 @@
               </a:rPr>
               <a:t>收获</a:t>
             </a:r>
-            <a:endParaRPr lang="zh-CN" altLang="en-US"/>
+            <a:endParaRPr lang="zh-CN" altLang="en-US" b="1" dirty="0"/>
           </a:p>
           <a:p>
             <a:pPr algn="ctr"/>
             <a:r>
-              <a:rPr lang="en-US" altLang="zh-CN" sz="1400" kern="0" dirty="0">
+              <a:rPr lang="en-US" altLang="zh-CN" sz="1400" b="1" kern="0" dirty="0">
                 <a:solidFill>
                   <a:srgbClr val="3C3C3C"/>
                 </a:solidFill>
               </a:rPr>
               <a:t>the result</a:t>
             </a:r>
-            <a:endParaRPr lang="en-US" sz="1400" kern="0" dirty="0">
+            <a:endParaRPr lang="en-US" sz="1400" b="1" kern="0" dirty="0">
               <a:solidFill>
                 <a:srgbClr val="3C3C3C"/>
               </a:solidFill>
@@ -11857,8 +11668,8 @@
         </p:nvSpPr>
         <p:spPr>
           <a:xfrm>
-            <a:off x="637540" y="2555875"/>
-            <a:ext cx="6324600" cy="1014730"/>
+            <a:off x="637540" y="1678499"/>
+            <a:ext cx="6902016" cy="1615507"/>
           </a:xfrm>
           <a:prstGeom prst="rect">
             <a:avLst/>
@@ -11870,9 +11681,13 @@
           </a:bodyPr>
           <a:lstStyle/>
           <a:p>
-            <a:pPr algn="just"/>
-            <a:r>
-              <a:rPr lang="en-US" sz="1200">
+            <a:pPr algn="just">
+              <a:lnSpc>
+                <a:spcPts val="2000"/>
+              </a:lnSpc>
+            </a:pPr>
+            <a:r>
+              <a:rPr lang="en-US" sz="1600" dirty="0">
                 <a:solidFill>
                   <a:schemeClr val="tx1">
                     <a:lumMod val="85000"/>
@@ -11883,7 +11698,7 @@
                 <a:ea typeface="Roboto" panose="02000000000000000000" pitchFamily="2" charset="0"/>
                 <a:cs typeface="Open Sans" panose="020B0606030504020204" pitchFamily="34" charset="0"/>
               </a:rPr>
-              <a:t>        在选择了这次的大作业后，我们就开始准备资料了，先是每个人去网上查阅相关资料，做个大概的了解，接着我们去图书馆借阅相关的书籍，发现绝大部分只涉及到matlab而非python，但是很幸运在CDSN上有着相关的代码可以借鉴，在操作的过程中我们也发现了许多问题，对于整个程序也进行了许多改进，但结果都不一样，不过我们也从中发现了规律，最后我们的整个大作业过程和最终结果如上。</a:t>
+              <a:t>        在选择了这次的大作业后，我们就开始准备资料了，先是每个人去网上查阅相关资料，做个大概的了解，接着我们去图书馆借阅相关的书籍，发现绝大部分只涉及到matlab而非python，但是很幸运在CDSN上有着相关的代码可以借鉴，在操作的过程中我们也发现了许多问题，对于整个程序也进行了许多改进，但还没此结果都不一样，不过我们也从中发现了规律，最后我们的整个大作业过程和最终结果如上。</a:t>
             </a:r>
           </a:p>
         </p:txBody>
@@ -11896,8 +11711,8 @@
         </p:nvSpPr>
         <p:spPr>
           <a:xfrm>
-            <a:off x="637540" y="3754755"/>
-            <a:ext cx="6324600" cy="2538095"/>
+            <a:off x="636903" y="3360681"/>
+            <a:ext cx="6902016" cy="3385542"/>
           </a:xfrm>
           <a:prstGeom prst="rect">
             <a:avLst/>
@@ -11912,7 +11727,7 @@
           <a:p>
             <a:pPr defTabSz="1176655"/>
             <a:r>
-              <a:rPr lang="zh-CN" altLang="en-US" dirty="0">
+              <a:rPr lang="zh-CN" altLang="en-US" sz="2000" dirty="0">
                 <a:solidFill>
                   <a:schemeClr val="tx1">
                     <a:lumMod val="85000"/>
@@ -11924,9 +11739,7 @@
               </a:rPr>
               <a:t>感悟</a:t>
             </a:r>
-          </a:p>
-          <a:p>
-            <a:endParaRPr lang="en-US" sz="900" dirty="0">
+            <a:endParaRPr lang="en-US" sz="1000" dirty="0">
               <a:solidFill>
                 <a:schemeClr val="tx1">
                   <a:lumMod val="85000"/>
@@ -11939,7 +11752,7 @@
           </a:p>
           <a:p>
             <a:r>
-              <a:rPr lang="en-US" sz="1200" dirty="0">
+              <a:rPr lang="en-US" sz="1600" dirty="0">
                 <a:solidFill>
                   <a:schemeClr val="tx1">
                     <a:lumMod val="85000"/>
@@ -11953,8 +11766,13 @@
             </a:r>
           </a:p>
           <a:p>
-            <a:r>
-              <a:rPr lang="en-US" sz="1200" dirty="0">
+            <a:pPr>
+              <a:lnSpc>
+                <a:spcPts val="2000"/>
+              </a:lnSpc>
+            </a:pPr>
+            <a:r>
+              <a:rPr lang="en-US" sz="1600" dirty="0">
                 <a:solidFill>
                   <a:schemeClr val="tx1">
                     <a:lumMod val="85000"/>
@@ -11969,7 +11787,7 @@
           </a:p>
           <a:p>
             <a:r>
-              <a:rPr lang="en-US" sz="1200" dirty="0">
+              <a:rPr lang="en-US" sz="1600" dirty="0">
                 <a:solidFill>
                   <a:schemeClr val="tx1">
                     <a:lumMod val="85000"/>
@@ -11984,7 +11802,7 @@
           </a:p>
           <a:p>
             <a:r>
-              <a:rPr lang="en-US" sz="1200" dirty="0">
+              <a:rPr lang="en-US" sz="1600" dirty="0">
                 <a:solidFill>
                   <a:schemeClr val="tx1">
                     <a:lumMod val="85000"/>
@@ -12007,8 +11825,8 @@
         </p:nvSpPr>
         <p:spPr>
           <a:xfrm>
-            <a:off x="637631" y="1973956"/>
-            <a:ext cx="734024" cy="441924"/>
+            <a:off x="637540" y="1297651"/>
+            <a:ext cx="741500" cy="442674"/>
           </a:xfrm>
           <a:prstGeom prst="roundRect">
             <a:avLst/>
@@ -12023,7 +11841,7 @@
           <a:p>
             <a:pPr defTabSz="1176655"/>
             <a:r>
-              <a:rPr lang="zh-CN" altLang="en-US" sz="2000" dirty="0">
+              <a:rPr lang="zh-CN" altLang="en-US" sz="2000" b="1" dirty="0">
                 <a:solidFill>
                   <a:schemeClr val="tx1">
                     <a:lumMod val="85000"/>
@@ -12104,7 +11922,7 @@
           <a:p>
             <a:pPr algn="ctr" defTabSz="1176655"/>
             <a:r>
-              <a:rPr lang="zh-CN" altLang="en-US" sz="2400" dirty="0">
+              <a:rPr lang="zh-CN" altLang="en-US" sz="2400" b="1" dirty="0">
                 <a:solidFill>
                   <a:srgbClr val="3C3C3C"/>
                 </a:solidFill>
@@ -13979,7 +13797,7 @@
                                         <p:tgtEl>
                                           <p:spTgt spid="1048663">
                                             <p:txEl>
-                                              <p:pRg st="2" end="2"/>
+                                              <p:pRg st="1" end="1"/>
                                             </p:txEl>
                                           </p:spTgt>
                                         </p:tgtEl>
@@ -13997,7 +13815,7 @@
                                         <p:tgtEl>
                                           <p:spTgt spid="1048663">
                                             <p:txEl>
-                                              <p:pRg st="2" end="2"/>
+                                              <p:pRg st="1" end="1"/>
                                             </p:txEl>
                                           </p:spTgt>
                                         </p:tgtEl>
@@ -14040,7 +13858,7 @@
                                         <p:tgtEl>
                                           <p:spTgt spid="1048663">
                                             <p:txEl>
-                                              <p:pRg st="3" end="3"/>
+                                              <p:pRg st="2" end="2"/>
                                             </p:txEl>
                                           </p:spTgt>
                                         </p:tgtEl>
@@ -14058,7 +13876,7 @@
                                         <p:tgtEl>
                                           <p:spTgt spid="1048663">
                                             <p:txEl>
-                                              <p:pRg st="3" end="3"/>
+                                              <p:pRg st="2" end="2"/>
                                             </p:txEl>
                                           </p:spTgt>
                                         </p:tgtEl>
@@ -14101,7 +13919,7 @@
                                         <p:tgtEl>
                                           <p:spTgt spid="1048663">
                                             <p:txEl>
-                                              <p:pRg st="4" end="4"/>
+                                              <p:pRg st="3" end="3"/>
                                             </p:txEl>
                                           </p:spTgt>
                                         </p:tgtEl>
@@ -14119,7 +13937,7 @@
                                         <p:tgtEl>
                                           <p:spTgt spid="1048663">
                                             <p:txEl>
-                                              <p:pRg st="4" end="4"/>
+                                              <p:pRg st="3" end="3"/>
                                             </p:txEl>
                                           </p:spTgt>
                                         </p:tgtEl>
@@ -14162,7 +13980,7 @@
                                         <p:tgtEl>
                                           <p:spTgt spid="1048663">
                                             <p:txEl>
-                                              <p:pRg st="5" end="5"/>
+                                              <p:pRg st="4" end="4"/>
                                             </p:txEl>
                                           </p:spTgt>
                                         </p:tgtEl>
@@ -14180,7 +13998,7 @@
                                         <p:tgtEl>
                                           <p:spTgt spid="1048663">
                                             <p:txEl>
-                                              <p:pRg st="5" end="5"/>
+                                              <p:pRg st="4" end="4"/>
                                             </p:txEl>
                                           </p:spTgt>
                                         </p:tgtEl>
@@ -14746,16 +14564,16 @@
           <a:p>
             <a:pPr algn="ctr" defTabSz="1176655"/>
             <a:r>
-              <a:rPr lang="zh-CN" altLang="en-US" sz="2400" dirty="0">
+              <a:rPr lang="zh-CN" altLang="en-US" sz="2800" b="1" dirty="0">
                 <a:solidFill>
                   <a:srgbClr val="3C3C3C"/>
                 </a:solidFill>
                 <a:latin typeface="幼圆" panose="02010509060101010101" pitchFamily="49" charset="-122"/>
                 <a:ea typeface="幼圆" panose="02010509060101010101" pitchFamily="49" charset="-122"/>
               </a:rPr>
-              <a:t>添加标题</a:t>
-            </a:r>
-            <a:endParaRPr lang="en-GB" altLang="zh-CN" sz="2400" dirty="0">
+              <a:t>目录</a:t>
+            </a:r>
+            <a:endParaRPr lang="en-GB" altLang="zh-CN" sz="2800" b="1" dirty="0">
               <a:solidFill>
                 <a:srgbClr val="3C3C3C"/>
               </a:solidFill>
@@ -16522,7 +16340,7 @@
         <p:spPr>
           <a:xfrm>
             <a:off x="4223792" y="3535330"/>
-            <a:ext cx="3744416" cy="704214"/>
+            <a:ext cx="3744416" cy="731610"/>
           </a:xfrm>
           <a:prstGeom prst="rect">
             <a:avLst/>
@@ -16690,7 +16508,7 @@
           <a:p>
             <a:pPr algn="ctr"/>
             <a:r>
-              <a:rPr lang="zh-CN" altLang="en-US" sz="2400" dirty="0">
+              <a:rPr lang="zh-CN" altLang="en-US" sz="2400" b="1" dirty="0">
                 <a:solidFill>
                   <a:srgbClr val="3C3C3C"/>
                 </a:solidFill>
@@ -16699,19 +16517,19 @@
               </a:rPr>
               <a:t>题目介绍</a:t>
             </a:r>
-            <a:endParaRPr lang="zh-CN" altLang="en-US"/>
+            <a:endParaRPr lang="zh-CN" altLang="en-US" b="1" dirty="0"/>
           </a:p>
           <a:p>
             <a:pPr algn="ctr"/>
             <a:r>
-              <a:rPr lang="en-US" altLang="zh-CN" sz="1400" kern="0" dirty="0">
+              <a:rPr lang="en-US" altLang="zh-CN" sz="1400" b="1" kern="0" dirty="0">
                 <a:solidFill>
                   <a:srgbClr val="3C3C3C"/>
                 </a:solidFill>
               </a:rPr>
               <a:t>the project</a:t>
             </a:r>
-            <a:endParaRPr lang="en-US" sz="1400" kern="0" dirty="0">
+            <a:endParaRPr lang="en-US" sz="1400" b="1" kern="0" dirty="0">
               <a:solidFill>
                 <a:srgbClr val="3C3C3C"/>
               </a:solidFill>
@@ -16974,7 +16792,7 @@
         <p:spPr>
           <a:xfrm>
             <a:off x="3966210" y="354965"/>
-            <a:ext cx="3581400" cy="1125855"/>
+            <a:ext cx="3581400" cy="978535"/>
           </a:xfrm>
           <a:prstGeom prst="rect">
             <a:avLst/>
@@ -17006,7 +16824,7 @@
           <a:p>
             <a:pPr algn="ctr" defTabSz="1176655"/>
             <a:r>
-              <a:rPr lang="zh-CN" altLang="zh-CN" sz="2400" dirty="0">
+              <a:rPr lang="zh-CN" altLang="zh-CN" sz="2400" b="1" dirty="0">
                 <a:solidFill>
                   <a:srgbClr val="3C3C3C"/>
                 </a:solidFill>
@@ -17016,7 +16834,7 @@
               <a:t>题目介绍</a:t>
             </a:r>
             <a:r>
-              <a:rPr lang="en-US" altLang="zh-CN" sz="2400" dirty="0">
+              <a:rPr lang="en-US" altLang="zh-CN" sz="2400" b="1" dirty="0">
                 <a:solidFill>
                   <a:srgbClr val="3C3C3C"/>
                 </a:solidFill>
@@ -17026,7 +16844,7 @@
               <a:t>—</a:t>
             </a:r>
             <a:r>
-              <a:rPr lang="zh-CN" altLang="en-US" sz="2400" dirty="0">
+              <a:rPr lang="zh-CN" altLang="en-US" sz="2400" b="1" dirty="0">
                 <a:solidFill>
                   <a:srgbClr val="3C3C3C"/>
                 </a:solidFill>
@@ -17160,7 +16978,7 @@
         <p:spPr bwMode="auto">
           <a:xfrm>
             <a:off x="897867" y="2080368"/>
-            <a:ext cx="3474141" cy="2201575"/>
+            <a:ext cx="3474141" cy="3014816"/>
           </a:xfrm>
           <a:prstGeom prst="rect">
             <a:avLst/>
@@ -17196,7 +17014,7 @@
         <p:spPr bwMode="auto">
           <a:xfrm>
             <a:off x="7803381" y="2048904"/>
-            <a:ext cx="3474141" cy="2368189"/>
+            <a:ext cx="3474141" cy="3046164"/>
           </a:xfrm>
           <a:prstGeom prst="rect">
             <a:avLst/>
@@ -17231,7 +17049,7 @@
         </p:nvSpPr>
         <p:spPr bwMode="auto">
           <a:xfrm>
-            <a:off x="1269588" y="2551302"/>
+            <a:off x="1354464" y="2371275"/>
             <a:ext cx="2581937" cy="368935"/>
           </a:xfrm>
           <a:prstGeom prst="rect">
@@ -17382,8 +17200,8 @@
         </p:nvSpPr>
         <p:spPr bwMode="auto">
           <a:xfrm>
-            <a:off x="1506817" y="2924933"/>
-            <a:ext cx="2257663" cy="787400"/>
+            <a:off x="1514579" y="3031117"/>
+            <a:ext cx="2257663" cy="1113318"/>
           </a:xfrm>
           <a:prstGeom prst="rect">
             <a:avLst/>
@@ -17509,7 +17327,10 @@
             </a:lvl9pPr>
           </a:lstStyle>
           <a:p>
-            <a:pPr algn="l" eaLnBrk="1" hangingPunct="1">
+            <a:pPr eaLnBrk="1" hangingPunct="1">
+              <a:lnSpc>
+                <a:spcPct val="150000"/>
+              </a:lnSpc>
               <a:spcBef>
                 <a:spcPct val="20000"/>
               </a:spcBef>
@@ -17527,7 +17348,10 @@
             </a:r>
           </a:p>
           <a:p>
-            <a:pPr algn="l" eaLnBrk="1" hangingPunct="1">
+            <a:pPr eaLnBrk="1" hangingPunct="1">
+              <a:lnSpc>
+                <a:spcPct val="150000"/>
+              </a:lnSpc>
               <a:spcBef>
                 <a:spcPct val="20000"/>
               </a:spcBef>
@@ -17556,8 +17380,8 @@
         </p:nvSpPr>
         <p:spPr bwMode="auto">
           <a:xfrm>
-            <a:off x="8340472" y="2440264"/>
-            <a:ext cx="2513797" cy="307340"/>
+            <a:off x="8490352" y="2320939"/>
+            <a:ext cx="2251328" cy="371196"/>
           </a:xfrm>
           <a:prstGeom prst="rect">
             <a:avLst/>
@@ -17685,7 +17509,7 @@
           <a:p>
             <a:pPr algn="ctr"/>
             <a:r>
-              <a:rPr lang="zh-CN" altLang="zh-CN" sz="2000" dirty="0">
+              <a:rPr lang="zh-CN" altLang="zh-CN" sz="2400" dirty="0">
                 <a:solidFill>
                   <a:schemeClr val="bg1"/>
                 </a:solidFill>
@@ -17707,8 +17531,8 @@
         </p:nvSpPr>
         <p:spPr bwMode="auto">
           <a:xfrm>
-            <a:off x="8074903" y="2717099"/>
-            <a:ext cx="3046984" cy="1377315"/>
+            <a:off x="8247149" y="2753451"/>
+            <a:ext cx="3046984" cy="1950470"/>
           </a:xfrm>
           <a:prstGeom prst="rect">
             <a:avLst/>
@@ -17835,6 +17659,9 @@
           </a:lstStyle>
           <a:p>
             <a:pPr algn="l" eaLnBrk="1" hangingPunct="1">
+              <a:lnSpc>
+                <a:spcPct val="150000"/>
+              </a:lnSpc>
               <a:spcBef>
                 <a:spcPct val="20000"/>
               </a:spcBef>
@@ -17853,6 +17680,9 @@
           </a:p>
           <a:p>
             <a:pPr algn="l" eaLnBrk="1" hangingPunct="1">
+              <a:lnSpc>
+                <a:spcPct val="150000"/>
+              </a:lnSpc>
               <a:spcBef>
                 <a:spcPct val="20000"/>
               </a:spcBef>
@@ -17871,6 +17701,9 @@
           </a:p>
           <a:p>
             <a:pPr algn="l" eaLnBrk="1" hangingPunct="1">
+              <a:lnSpc>
+                <a:spcPct val="150000"/>
+              </a:lnSpc>
               <a:spcBef>
                 <a:spcPct val="20000"/>
               </a:spcBef>
@@ -17889,6 +17722,9 @@
           </a:p>
           <a:p>
             <a:pPr algn="l" eaLnBrk="1" hangingPunct="1">
+              <a:lnSpc>
+                <a:spcPct val="150000"/>
+              </a:lnSpc>
               <a:spcBef>
                 <a:spcPct val="20000"/>
               </a:spcBef>
@@ -17923,8 +17759,8 @@
         </p:blipFill>
         <p:spPr>
           <a:xfrm>
-            <a:off x="4372163" y="2049007"/>
-            <a:ext cx="3445132" cy="2264292"/>
+            <a:off x="4372163" y="2049006"/>
+            <a:ext cx="3445132" cy="3046167"/>
           </a:xfrm>
           <a:prstGeom prst="rect">
             <a:avLst/>
@@ -18322,7 +18158,7 @@
         <p:spPr>
           <a:xfrm>
             <a:off x="4223792" y="3535330"/>
-            <a:ext cx="3744416" cy="704214"/>
+            <a:ext cx="3744416" cy="731610"/>
           </a:xfrm>
           <a:prstGeom prst="rect">
             <a:avLst/>
@@ -18490,7 +18326,7 @@
           <a:p>
             <a:pPr algn="ctr"/>
             <a:r>
-              <a:rPr lang="zh-CN" altLang="en-US" sz="2400" dirty="0">
+              <a:rPr lang="zh-CN" altLang="en-US" sz="2400" b="1" dirty="0">
                 <a:solidFill>
                   <a:srgbClr val="3C3C3C"/>
                 </a:solidFill>
@@ -18499,19 +18335,19 @@
               </a:rPr>
               <a:t>计划和预期</a:t>
             </a:r>
-            <a:endParaRPr lang="zh-CN" altLang="en-US"/>
+            <a:endParaRPr lang="zh-CN" altLang="en-US" b="1" dirty="0"/>
           </a:p>
           <a:p>
             <a:pPr algn="ctr"/>
             <a:r>
-              <a:rPr lang="en-US" altLang="zh-CN" sz="1400" kern="0" dirty="0">
+              <a:rPr lang="en-US" altLang="zh-CN" sz="1400" b="1" kern="0" dirty="0">
                 <a:solidFill>
                   <a:srgbClr val="3C3C3C"/>
                 </a:solidFill>
               </a:rPr>
               <a:t>the plan</a:t>
             </a:r>
-            <a:endParaRPr lang="en-US" sz="1400" kern="0" dirty="0">
+            <a:endParaRPr lang="en-US" sz="1400" b="1" kern="0" dirty="0">
               <a:solidFill>
                 <a:srgbClr val="3C3C3C"/>
               </a:solidFill>
@@ -18886,8 +18722,8 @@
         </p:nvSpPr>
         <p:spPr>
           <a:xfrm>
-            <a:off x="6387494" y="1727069"/>
-            <a:ext cx="5346263" cy="1876425"/>
+            <a:off x="5810250" y="1479419"/>
+            <a:ext cx="6286500" cy="2493696"/>
           </a:xfrm>
           <a:prstGeom prst="rect">
             <a:avLst/>
@@ -18899,17 +18735,21 @@
           </a:bodyPr>
           <a:lstStyle/>
           <a:p>
-            <a:pPr algn="ctr"/>
-            <a:endParaRPr lang="en-US" sz="900" b="1" dirty="0">
-              <a:solidFill>
-                <a:schemeClr val="bg1"/>
-              </a:solidFill>
-              <a:latin typeface="Roboto" panose="02000000000000000000" pitchFamily="2" charset="0"/>
-              <a:ea typeface="Roboto" panose="02000000000000000000" pitchFamily="2" charset="0"/>
-            </a:endParaRPr>
-          </a:p>
-          <a:p>
-            <a:pPr algn="ctr" defTabSz="1176655"/>
+            <a:pPr algn="ctr" defTabSz="1176655">
+              <a:lnSpc>
+                <a:spcPct val="150000"/>
+              </a:lnSpc>
+            </a:pPr>
+            <a:r>
+              <a:rPr lang="zh-CN" altLang="zh-CN" sz="2400" b="1" dirty="0">
+                <a:solidFill>
+                  <a:schemeClr val="bg1"/>
+                </a:solidFill>
+                <a:latin typeface="幼圆" panose="02010509060101010101" pitchFamily="49" charset="-122"/>
+                <a:ea typeface="幼圆" panose="02010509060101010101" pitchFamily="49" charset="-122"/>
+              </a:rPr>
+              <a:t>设计思路</a:t>
+            </a:r>
             <a:endParaRPr lang="zh-CN" altLang="zh-CN" sz="1400" b="1" dirty="0">
               <a:solidFill>
                 <a:schemeClr val="bg1"/>
@@ -18919,13 +18759,13 @@
             </a:endParaRPr>
           </a:p>
           <a:p>
-            <a:pPr algn="l" defTabSz="1176655" fontAlgn="auto">
+            <a:pPr algn="l" defTabSz="1176655">
               <a:lnSpc>
                 <a:spcPct val="150000"/>
               </a:lnSpc>
             </a:pPr>
             <a:r>
-              <a:rPr lang="zh-CN" altLang="en-US" sz="1400" dirty="0">
+              <a:rPr lang="zh-CN" altLang="en-US" dirty="0">
                 <a:solidFill>
                   <a:schemeClr val="bg1"/>
                 </a:solidFill>
@@ -18935,47 +18775,27 @@
               <a:t>一、</a:t>
             </a:r>
             <a:r>
-              <a:rPr lang="en-US" altLang="zh-CN" sz="1400" dirty="0">
+              <a:rPr lang="en-US" altLang="zh-CN" dirty="0">
                 <a:solidFill>
                   <a:schemeClr val="bg1"/>
                 </a:solidFill>
                 <a:latin typeface="幼圆" panose="02010509060101010101" pitchFamily="49" charset="-122"/>
                 <a:ea typeface="幼圆" panose="02010509060101010101" pitchFamily="49" charset="-122"/>
               </a:rPr>
-              <a:t>VS</a:t>
-            </a:r>
-            <a:r>
-              <a:rPr lang="zh-CN" altLang="en-US" sz="1400" dirty="0">
+              <a:t>采用面向对象的程序设计方法。使用Python语言实现</a:t>
+            </a:r>
+            <a:r>
+              <a:rPr lang="zh-CN" altLang="en-US" dirty="0">
                 <a:solidFill>
                   <a:schemeClr val="bg1"/>
                 </a:solidFill>
                 <a:latin typeface="幼圆" panose="02010509060101010101" pitchFamily="49" charset="-122"/>
                 <a:ea typeface="幼圆" panose="02010509060101010101" pitchFamily="49" charset="-122"/>
               </a:rPr>
-              <a:t>配置</a:t>
-            </a:r>
-            <a:r>
-              <a:rPr lang="en-US" altLang="zh-CN" sz="1400" dirty="0">
-                <a:solidFill>
-                  <a:schemeClr val="bg1"/>
-                </a:solidFill>
-                <a:latin typeface="幼圆" panose="02010509060101010101" pitchFamily="49" charset="-122"/>
-                <a:ea typeface="幼圆" panose="02010509060101010101" pitchFamily="49" charset="-122"/>
-              </a:rPr>
-              <a:t>python</a:t>
-            </a:r>
-            <a:r>
-              <a:rPr lang="zh-CN" altLang="en-US" sz="1400" dirty="0">
-                <a:solidFill>
-                  <a:schemeClr val="bg1"/>
-                </a:solidFill>
-                <a:latin typeface="幼圆" panose="02010509060101010101" pitchFamily="49" charset="-122"/>
-                <a:ea typeface="幼圆" panose="02010509060101010101" pitchFamily="49" charset="-122"/>
-              </a:rPr>
-              <a:t>环境</a:t>
-            </a:r>
-            <a:r>
-              <a:rPr lang="en-US" altLang="zh-CN" sz="1400" dirty="0">
+              <a:t>功能</a:t>
+            </a:r>
+            <a:r>
+              <a:rPr lang="en-US" altLang="zh-CN" dirty="0">
                 <a:solidFill>
                   <a:schemeClr val="bg1"/>
                 </a:solidFill>
@@ -18986,13 +18806,13 @@
             </a:r>
           </a:p>
           <a:p>
-            <a:pPr algn="l" defTabSz="1176655" fontAlgn="auto">
+            <a:pPr algn="l" defTabSz="1176655">
               <a:lnSpc>
                 <a:spcPct val="150000"/>
               </a:lnSpc>
             </a:pPr>
             <a:r>
-              <a:rPr lang="zh-CN" altLang="en-US" sz="1400" dirty="0">
+              <a:rPr lang="zh-CN" altLang="en-US" dirty="0">
                 <a:solidFill>
                   <a:schemeClr val="bg1"/>
                 </a:solidFill>
@@ -19002,7 +18822,7 @@
               <a:t>二、通过</a:t>
             </a:r>
             <a:r>
-              <a:rPr lang="en-US" altLang="zh-CN" sz="1400" dirty="0">
+              <a:rPr lang="en-US" altLang="zh-CN" dirty="0">
                 <a:solidFill>
                   <a:schemeClr val="bg1"/>
                 </a:solidFill>
@@ -19012,110 +18832,50 @@
               <a:t>matplotlib</a:t>
             </a:r>
             <a:r>
-              <a:rPr lang="zh-CN" altLang="en-US" sz="1400" dirty="0">
+              <a:rPr lang="zh-CN" altLang="en-US" dirty="0">
                 <a:solidFill>
                   <a:schemeClr val="bg1"/>
                 </a:solidFill>
                 <a:latin typeface="幼圆" panose="02010509060101010101" pitchFamily="49" charset="-122"/>
                 <a:ea typeface="幼圆" panose="02010509060101010101" pitchFamily="49" charset="-122"/>
               </a:rPr>
-              <a:t>辅助生成动画</a:t>
-            </a:r>
-            <a:endParaRPr lang="en-US" altLang="zh-CN" sz="1400" dirty="0">
-              <a:solidFill>
-                <a:schemeClr val="bg1"/>
-              </a:solidFill>
-              <a:latin typeface="幼圆" panose="02010509060101010101" pitchFamily="49" charset="-122"/>
-              <a:ea typeface="幼圆" panose="02010509060101010101" pitchFamily="49" charset="-122"/>
-            </a:endParaRPr>
-          </a:p>
-          <a:p>
-            <a:pPr algn="l" defTabSz="1176655" fontAlgn="auto">
+              <a:t>生成</a:t>
+            </a:r>
+            <a:r>
+              <a:rPr lang="en-US" altLang="zh-CN" dirty="0">
+                <a:solidFill>
+                  <a:schemeClr val="bg1"/>
+                </a:solidFill>
+                <a:latin typeface="幼圆" panose="02010509060101010101" pitchFamily="49" charset="-122"/>
+                <a:ea typeface="幼圆" panose="02010509060101010101" pitchFamily="49" charset="-122"/>
+              </a:rPr>
+              <a:t>动画</a:t>
+            </a:r>
+          </a:p>
+          <a:p>
+            <a:pPr algn="l" defTabSz="1176655">
               <a:lnSpc>
                 <a:spcPct val="150000"/>
               </a:lnSpc>
             </a:pPr>
             <a:r>
-              <a:rPr lang="zh-CN" altLang="en-US" sz="1400" dirty="0">
+              <a:rPr lang="zh-CN" altLang="en-US" dirty="0">
                 <a:solidFill>
                   <a:schemeClr val="bg1"/>
                 </a:solidFill>
                 <a:latin typeface="幼圆" panose="02010509060101010101" pitchFamily="49" charset="-122"/>
                 <a:ea typeface="幼圆" panose="02010509060101010101" pitchFamily="49" charset="-122"/>
               </a:rPr>
-              <a:t>三、用</a:t>
-            </a:r>
-            <a:r>
-              <a:rPr lang="en-US" altLang="zh-CN" sz="1400" dirty="0">
-                <a:solidFill>
-                  <a:schemeClr val="bg1"/>
-                </a:solidFill>
-                <a:latin typeface="幼圆" panose="02010509060101010101" pitchFamily="49" charset="-122"/>
-                <a:ea typeface="幼圆" panose="02010509060101010101" pitchFamily="49" charset="-122"/>
-              </a:rPr>
-              <a:t>python</a:t>
-            </a:r>
-            <a:r>
-              <a:rPr lang="zh-CN" altLang="en-US" sz="1400" dirty="0">
-                <a:solidFill>
-                  <a:schemeClr val="bg1"/>
-                </a:solidFill>
-                <a:latin typeface="幼圆" panose="02010509060101010101" pitchFamily="49" charset="-122"/>
-                <a:ea typeface="幼圆" panose="02010509060101010101" pitchFamily="49" charset="-122"/>
-              </a:rPr>
-              <a:t>编程实现功能</a:t>
-            </a:r>
-          </a:p>
-          <a:p>
-            <a:pPr algn="l" defTabSz="1176655" fontAlgn="auto">
+              <a:t>三、通过ImageMagick导出GIF</a:t>
+            </a:r>
+          </a:p>
+          <a:p>
+            <a:pPr algn="l">
               <a:lnSpc>
                 <a:spcPct val="150000"/>
               </a:lnSpc>
             </a:pPr>
             <a:r>
-              <a:rPr lang="zh-CN" altLang="en-US" sz="1400" dirty="0">
-                <a:solidFill>
-                  <a:schemeClr val="bg1"/>
-                </a:solidFill>
-                <a:latin typeface="幼圆" panose="02010509060101010101" pitchFamily="49" charset="-122"/>
-                <a:ea typeface="幼圆" panose="02010509060101010101" pitchFamily="49" charset="-122"/>
-              </a:rPr>
-              <a:t>四、用</a:t>
-            </a:r>
-            <a:r>
-              <a:rPr lang="en-US" altLang="zh-CN" sz="1400" dirty="0">
-                <a:solidFill>
-                  <a:schemeClr val="bg1"/>
-                </a:solidFill>
-                <a:latin typeface="幼圆" panose="02010509060101010101" pitchFamily="49" charset="-122"/>
-                <a:ea typeface="幼圆" panose="02010509060101010101" pitchFamily="49" charset="-122"/>
-              </a:rPr>
-              <a:t>ImageMagick</a:t>
-            </a:r>
-            <a:r>
-              <a:rPr lang="zh-CN" altLang="en-US" sz="1400" dirty="0">
-                <a:solidFill>
-                  <a:schemeClr val="bg1"/>
-                </a:solidFill>
-                <a:latin typeface="幼圆" panose="02010509060101010101" pitchFamily="49" charset="-122"/>
-                <a:ea typeface="幼圆" panose="02010509060101010101" pitchFamily="49" charset="-122"/>
-              </a:rPr>
-              <a:t>导出</a:t>
-            </a:r>
-            <a:r>
-              <a:rPr lang="en-US" altLang="zh-CN" sz="1400" dirty="0">
-                <a:solidFill>
-                  <a:schemeClr val="bg1"/>
-                </a:solidFill>
-                <a:latin typeface="幼圆" panose="02010509060101010101" pitchFamily="49" charset="-122"/>
-                <a:ea typeface="幼圆" panose="02010509060101010101" pitchFamily="49" charset="-122"/>
-              </a:rPr>
-              <a:t>GIF</a:t>
-            </a:r>
-          </a:p>
-          <a:p>
-            <a:pPr algn="l"/>
-            <a:r>
               <a:rPr lang="en-US" sz="900" dirty="0">
                 <a:solidFill>
                   <a:schemeClr val="bg1"/>
@@ -19125,7 +18885,7 @@
               </a:rPr>
               <a:t> </a:t>
             </a:r>
-            <a:endParaRPr lang="zh-CN" altLang="en-US"/>
+            <a:endParaRPr lang="zh-CN" altLang="en-US" dirty="0"/>
           </a:p>
         </p:txBody>
       </p:sp>
@@ -19195,7 +18955,7 @@
           <a:p>
             <a:pPr algn="ctr" defTabSz="1176655"/>
             <a:r>
-              <a:rPr lang="zh-CN" altLang="zh-CN" sz="2800" dirty="0">
+              <a:rPr lang="zh-CN" altLang="zh-CN" sz="2800" b="1" dirty="0">
                 <a:solidFill>
                   <a:srgbClr val="3C3C3C"/>
                 </a:solidFill>
@@ -19204,7 +18964,7 @@
               </a:rPr>
               <a:t>设计思路</a:t>
             </a:r>
-            <a:endParaRPr lang="en-GB" altLang="zh-CN" sz="2800" dirty="0">
+            <a:endParaRPr lang="en-GB" altLang="zh-CN" sz="2800" b="1" dirty="0">
               <a:solidFill>
                 <a:srgbClr val="3C3C3C"/>
               </a:solidFill>
@@ -19558,7 +19318,7 @@
                                         <p:tgtEl>
                                           <p:spTgt spid="1048628">
                                             <p:txEl>
-                                              <p:pRg st="3" end="3"/>
+                                              <p:pRg st="2" end="2"/>
                                             </p:txEl>
                                           </p:spTgt>
                                         </p:tgtEl>
@@ -19576,7 +19336,7 @@
                                         <p:tgtEl>
                                           <p:spTgt spid="1048628">
                                             <p:txEl>
-                                              <p:pRg st="3" end="3"/>
+                                              <p:pRg st="2" end="2"/>
                                             </p:txEl>
                                           </p:spTgt>
                                         </p:tgtEl>
@@ -19588,7 +19348,7 @@
                                         <p:tgtEl>
                                           <p:spTgt spid="1048628">
                                             <p:txEl>
-                                              <p:pRg st="3" end="3"/>
+                                              <p:pRg st="2" end="2"/>
                                             </p:txEl>
                                           </p:spTgt>
                                         </p:tgtEl>
@@ -19615,7 +19375,7 @@
                                         <p:tgtEl>
                                           <p:spTgt spid="1048628">
                                             <p:txEl>
-                                              <p:pRg st="3" end="3"/>
+                                              <p:pRg st="2" end="2"/>
                                             </p:txEl>
                                           </p:spTgt>
                                         </p:tgtEl>
@@ -19673,7 +19433,7 @@
                                         <p:tgtEl>
                                           <p:spTgt spid="1048628">
                                             <p:txEl>
-                                              <p:pRg st="4" end="4"/>
+                                              <p:pRg st="3" end="3"/>
                                             </p:txEl>
                                           </p:spTgt>
                                         </p:tgtEl>
@@ -19691,7 +19451,7 @@
                                         <p:tgtEl>
                                           <p:spTgt spid="1048628">
                                             <p:txEl>
-                                              <p:pRg st="4" end="4"/>
+                                              <p:pRg st="3" end="3"/>
                                             </p:txEl>
                                           </p:spTgt>
                                         </p:tgtEl>
@@ -19703,7 +19463,7 @@
                                         <p:tgtEl>
                                           <p:spTgt spid="1048628">
                                             <p:txEl>
-                                              <p:pRg st="4" end="4"/>
+                                              <p:pRg st="3" end="3"/>
                                             </p:txEl>
                                           </p:spTgt>
                                         </p:tgtEl>
@@ -19730,122 +19490,7 @@
                                         <p:tgtEl>
                                           <p:spTgt spid="1048628">
                                             <p:txEl>
-                                              <p:pRg st="4" end="4"/>
-                                            </p:txEl>
-                                          </p:spTgt>
-                                        </p:tgtEl>
-                                        <p:attrNameLst>
-                                          <p:attrName>ppt_y</p:attrName>
-                                        </p:attrNameLst>
-                                      </p:cBhvr>
-                                      <p:tavLst>
-                                        <p:tav tm="0">
-                                          <p:val>
-                                            <p:strVal val="#ppt_y+.1"/>
-                                          </p:val>
-                                        </p:tav>
-                                        <p:tav tm="100000">
-                                          <p:val>
-                                            <p:strVal val="#ppt_y"/>
-                                          </p:val>
-                                        </p:tav>
-                                      </p:tavLst>
-                                    </p:anim>
-                                  </p:childTnLst>
-                                </p:cTn>
-                              </p:par>
-                            </p:childTnLst>
-                          </p:cTn>
-                        </p:par>
-                      </p:childTnLst>
-                    </p:cTn>
-                  </p:par>
-                  <p:par>
-                    <p:cTn id="21" fill="hold">
-                      <p:stCondLst>
-                        <p:cond delay="indefinite"/>
-                      </p:stCondLst>
-                      <p:childTnLst>
-                        <p:par>
-                          <p:cTn id="22" fill="hold">
-                            <p:stCondLst>
-                              <p:cond delay="0"/>
-                            </p:stCondLst>
-                            <p:childTnLst>
-                              <p:par>
-                                <p:cTn id="23" presetID="42" presetClass="entr" presetSubtype="0" fill="hold" grpId="0" nodeType="clickEffect">
-                                  <p:stCondLst>
-                                    <p:cond delay="0"/>
-                                  </p:stCondLst>
-                                  <p:childTnLst>
-                                    <p:set>
-                                      <p:cBhvr>
-                                        <p:cTn id="24" dur="1" fill="hold">
-                                          <p:stCondLst>
-                                            <p:cond delay="0"/>
-                                          </p:stCondLst>
-                                        </p:cTn>
-                                        <p:tgtEl>
-                                          <p:spTgt spid="1048628">
-                                            <p:txEl>
-                                              <p:pRg st="5" end="5"/>
-                                            </p:txEl>
-                                          </p:spTgt>
-                                        </p:tgtEl>
-                                        <p:attrNameLst>
-                                          <p:attrName>style.visibility</p:attrName>
-                                        </p:attrNameLst>
-                                      </p:cBhvr>
-                                      <p:to>
-                                        <p:strVal val="visible"/>
-                                      </p:to>
-                                    </p:set>
-                                    <p:animEffect transition="in" filter="fade">
-                                      <p:cBhvr>
-                                        <p:cTn id="25" dur="300"/>
-                                        <p:tgtEl>
-                                          <p:spTgt spid="1048628">
-                                            <p:txEl>
-                                              <p:pRg st="5" end="5"/>
-                                            </p:txEl>
-                                          </p:spTgt>
-                                        </p:tgtEl>
-                                      </p:cBhvr>
-                                    </p:animEffect>
-                                    <p:anim calcmode="lin" valueType="num">
-                                      <p:cBhvr>
-                                        <p:cTn id="26" dur="300" fill="hold"/>
-                                        <p:tgtEl>
-                                          <p:spTgt spid="1048628">
-                                            <p:txEl>
-                                              <p:pRg st="5" end="5"/>
-                                            </p:txEl>
-                                          </p:spTgt>
-                                        </p:tgtEl>
-                                        <p:attrNameLst>
-                                          <p:attrName>ppt_x</p:attrName>
-                                        </p:attrNameLst>
-                                      </p:cBhvr>
-                                      <p:tavLst>
-                                        <p:tav tm="0">
-                                          <p:val>
-                                            <p:strVal val="#ppt_x"/>
-                                          </p:val>
-                                        </p:tav>
-                                        <p:tav tm="100000">
-                                          <p:val>
-                                            <p:strVal val="#ppt_x"/>
-                                          </p:val>
-                                        </p:tav>
-                                      </p:tavLst>
-                                    </p:anim>
-                                    <p:anim calcmode="lin" valueType="num">
-                                      <p:cBhvr>
-                                        <p:cTn id="27" dur="300" fill="hold"/>
-                                        <p:tgtEl>
-                                          <p:spTgt spid="1048628">
-                                            <p:txEl>
-                                              <p:pRg st="5" end="5"/>
+                                              <p:pRg st="3" end="3"/>
                                             </p:txEl>
                                           </p:spTgt>
                                         </p:tgtEl>
@@ -19873,20 +19518,20 @@
                           </p:cTn>
                         </p:par>
                         <p:par>
-                          <p:cTn id="28" fill="hold">
+                          <p:cTn id="21" fill="hold">
                             <p:stCondLst>
                               <p:cond delay="500"/>
                             </p:stCondLst>
                             <p:childTnLst>
                               <p:par>
-                                <p:cTn id="29" presetID="16" presetClass="entr" presetSubtype="37" fill="hold" grpId="0" nodeType="afterEffect">
+                                <p:cTn id="22" presetID="16" presetClass="entr" presetSubtype="37" fill="hold" grpId="0" nodeType="afterEffect">
                                   <p:stCondLst>
                                     <p:cond delay="0"/>
                                   </p:stCondLst>
                                   <p:childTnLst>
                                     <p:set>
                                       <p:cBhvr>
-                                        <p:cTn id="30" dur="1" fill="hold">
+                                        <p:cTn id="23" dur="1" fill="hold">
                                           <p:stCondLst>
                                             <p:cond delay="0"/>
                                           </p:stCondLst>
@@ -19904,7 +19549,7 @@
                                     </p:set>
                                     <p:animEffect transition="in" filter="barn(outVertical)">
                                       <p:cBhvr>
-                                        <p:cTn id="31" dur="500"/>
+                                        <p:cTn id="24" dur="500"/>
                                         <p:tgtEl>
                                           <p:spTgt spid="1048625"/>
                                         </p:tgtEl>
@@ -19917,20 +19562,20 @@
                           </p:cTn>
                         </p:par>
                         <p:par>
-                          <p:cTn id="32" fill="hold">
+                          <p:cTn id="25" fill="hold">
                             <p:stCondLst>
                               <p:cond delay="1000"/>
                             </p:stCondLst>
                             <p:childTnLst>
                               <p:par>
-                                <p:cTn id="33" presetID="16" presetClass="entr" presetSubtype="37" fill="hold" grpId="0" nodeType="afterEffect">
+                                <p:cTn id="26" presetID="16" presetClass="entr" presetSubtype="37" fill="hold" grpId="0" nodeType="afterEffect">
                                   <p:stCondLst>
                                     <p:cond delay="0"/>
                                   </p:stCondLst>
                                   <p:childTnLst>
                                     <p:set>
                                       <p:cBhvr>
-                                        <p:cTn id="34" dur="1" fill="hold">
+                                        <p:cTn id="27" dur="1" fill="hold">
                                           <p:stCondLst>
                                             <p:cond delay="0"/>
                                           </p:stCondLst>
@@ -19948,7 +19593,7 @@
                                     </p:set>
                                     <p:animEffect transition="in" filter="barn(outVertical)">
                                       <p:cBhvr>
-                                        <p:cTn id="35" dur="500"/>
+                                        <p:cTn id="28" dur="500"/>
                                         <p:tgtEl>
                                           <p:spTgt spid="1048626"/>
                                         </p:tgtEl>
@@ -20088,7 +19733,7 @@
         <p:spPr>
           <a:xfrm>
             <a:off x="4223792" y="3535330"/>
-            <a:ext cx="3744416" cy="704214"/>
+            <a:ext cx="3744416" cy="731610"/>
           </a:xfrm>
           <a:prstGeom prst="rect">
             <a:avLst/>
@@ -20256,89 +19901,32 @@
           <a:p>
             <a:pPr algn="ctr"/>
             <a:r>
-              <a:rPr lang="zh-CN" altLang="en-US" sz="2400" dirty="0">
+              <a:rPr lang="zh-CN" altLang="en-US" sz="2400" b="1" dirty="0">
                 <a:solidFill>
                   <a:srgbClr val="3C3C3C"/>
                 </a:solidFill>
                 <a:latin typeface="幼圆" panose="02010509060101010101" pitchFamily="49" charset="-122"/>
                 <a:ea typeface="幼圆" panose="02010509060101010101" pitchFamily="49" charset="-122"/>
+                <a:hlinkClick r:id="rId5"/>
               </a:rPr>
               <a:t>实现过程</a:t>
             </a:r>
-            <a:endParaRPr lang="zh-CN" altLang="en-US"/>
+            <a:endParaRPr lang="zh-CN" altLang="en-US" b="1" dirty="0"/>
           </a:p>
           <a:p>
             <a:pPr algn="ctr"/>
             <a:r>
-              <a:rPr lang="en-US" altLang="zh-CN" sz="1400" kern="0" dirty="0">
+              <a:rPr lang="en-US" altLang="zh-CN" sz="1400" b="1" kern="0" dirty="0">
                 <a:solidFill>
                   <a:srgbClr val="3C3C3C"/>
                 </a:solidFill>
               </a:rPr>
               <a:t>the process</a:t>
             </a:r>
-            <a:endParaRPr lang="en-US" sz="1400" kern="0" dirty="0">
+            <a:endParaRPr lang="en-US" sz="1400" b="1" kern="0" dirty="0">
               <a:solidFill>
                 <a:srgbClr val="3C3C3C"/>
               </a:solidFill>
-            </a:endParaRPr>
-          </a:p>
-        </p:txBody>
-      </p:sp>
-      <p:sp>
-        <p:nvSpPr>
-          <p:cNvPr id="2" name="文本框 0"/>
-          <p:cNvSpPr txBox="1"/>
-          <p:nvPr/>
-        </p:nvSpPr>
-        <p:spPr>
-          <a:xfrm>
-            <a:off x="4912995" y="5257165"/>
-            <a:ext cx="9291320" cy="368300"/>
-          </a:xfrm>
-          <a:prstGeom prst="rect">
-            <a:avLst/>
-          </a:prstGeom>
-          <a:noFill/>
-        </p:spPr>
-        <p:txBody>
-          <a:bodyPr wrap="square" rtlCol="0">
-            <a:spAutoFit/>
-          </a:bodyPr>
-          <a:lstStyle/>
-          <a:p>
-            <a:r>
-              <a:rPr lang="zh-CN" altLang="en-US" dirty="0">
-                <a:solidFill>
-                  <a:schemeClr val="tx1"/>
-                </a:solidFill>
-                <a:effectLst>
-                  <a:outerShdw blurRad="38100" dist="19050" dir="2700000" algn="tl" rotWithShape="0">
-                    <a:schemeClr val="dk1">
-                      <a:alpha val="40000"/>
-                    </a:schemeClr>
-                  </a:outerShdw>
-                </a:effectLst>
-                <a:latin typeface="+mj-lt"/>
-                <a:cs typeface="+mj-lt"/>
-                <a:hlinkClick r:id="rId5"/>
-              </a:rPr>
-              <a:t>卷积实现过程-网页</a:t>
-            </a:r>
-            <a:endParaRPr lang="zh-CN" altLang="en-US" dirty="0">
-              <a:solidFill>
-                <a:schemeClr val="tx1"/>
-              </a:solidFill>
-              <a:effectLst>
-                <a:outerShdw blurRad="38100" dist="19050" dir="2700000" algn="tl" rotWithShape="0">
-                  <a:schemeClr val="dk1">
-                    <a:alpha val="40000"/>
-                  </a:schemeClr>
-                </a:outerShdw>
-              </a:effectLst>
-              <a:latin typeface="+mj-lt"/>
-              <a:cs typeface="+mj-lt"/>
-              <a:hlinkClick r:id="rId6" action="ppaction://hlinkfile"/>
             </a:endParaRPr>
           </a:p>
         </p:txBody>
@@ -20739,8 +20327,8 @@
         </p:nvSpPr>
         <p:spPr bwMode="auto">
           <a:xfrm>
-            <a:off x="8613140" y="2898140"/>
-            <a:ext cx="2202180" cy="276860"/>
+            <a:off x="8613139" y="2688590"/>
+            <a:ext cx="2388235" cy="406778"/>
           </a:xfrm>
           <a:prstGeom prst="rect">
             <a:avLst/>
@@ -20886,12 +20474,15 @@
           </a:lstStyle>
           <a:p>
             <a:pPr eaLnBrk="1" hangingPunct="1">
+              <a:lnSpc>
+                <a:spcPct val="150000"/>
+              </a:lnSpc>
               <a:spcBef>
                 <a:spcPct val="20000"/>
               </a:spcBef>
             </a:pPr>
             <a:r>
-              <a:rPr lang="en-US" altLang="en-US" dirty="0">
+              <a:rPr lang="en-US" altLang="en-US" sz="2000" dirty="0">
                 <a:solidFill>
                   <a:schemeClr val="bg1"/>
                 </a:solidFill>
@@ -20902,7 +20493,7 @@
               <a:t>p</a:t>
             </a:r>
             <a:r>
-              <a:rPr lang="en-US" altLang="zh-CN" dirty="0">
+              <a:rPr lang="en-US" altLang="zh-CN" sz="2000" dirty="0">
                 <a:solidFill>
                   <a:schemeClr val="bg1"/>
                 </a:solidFill>
@@ -20913,7 +20504,7 @@
               <a:t>ython</a:t>
             </a:r>
             <a:r>
-              <a:rPr lang="zh-CN" altLang="en-US" dirty="0">
+              <a:rPr lang="zh-CN" altLang="en-US" sz="2000" dirty="0">
                 <a:solidFill>
                   <a:schemeClr val="bg1"/>
                 </a:solidFill>
@@ -20924,7 +20515,7 @@
               <a:t>功能</a:t>
             </a:r>
             <a:r>
-              <a:rPr lang="zh-CN" altLang="zh-CN" dirty="0">
+              <a:rPr lang="zh-CN" altLang="zh-CN" sz="2000" dirty="0">
                 <a:solidFill>
                   <a:schemeClr val="bg1"/>
                 </a:solidFill>
@@ -21212,7 +20803,7 @@
           <a:p>
             <a:pPr algn="ctr" defTabSz="1176655"/>
             <a:r>
-              <a:rPr lang="zh-CN" altLang="zh-CN" sz="2400" dirty="0">
+              <a:rPr lang="zh-CN" altLang="zh-CN" sz="2400" b="1" dirty="0">
                 <a:solidFill>
                   <a:srgbClr val="3C3C3C"/>
                 </a:solidFill>
@@ -21221,7 +20812,7 @@
               </a:rPr>
               <a:t>实现过程</a:t>
             </a:r>
-            <a:endParaRPr lang="en-GB" altLang="zh-CN" sz="2400" dirty="0">
+            <a:endParaRPr lang="en-GB" altLang="zh-CN" sz="2400" b="1" dirty="0">
               <a:solidFill>
                 <a:srgbClr val="3C3C3C"/>
               </a:solidFill>
@@ -21334,7 +20925,7 @@
           <a:p>
             <a:pPr algn="ctr" defTabSz="1176655"/>
             <a:r>
-              <a:rPr lang="zh-CN" altLang="zh-CN" sz="2400" dirty="0">
+              <a:rPr lang="zh-CN" altLang="zh-CN" sz="2400" b="1" dirty="0">
                 <a:solidFill>
                   <a:srgbClr val="3C3C3C"/>
                 </a:solidFill>
@@ -21343,7 +20934,7 @@
               </a:rPr>
               <a:t>代码</a:t>
             </a:r>
-            <a:endParaRPr lang="en-GB" altLang="zh-CN" sz="2400" dirty="0">
+            <a:endParaRPr lang="en-GB" altLang="zh-CN" sz="2400" b="1" dirty="0">
               <a:solidFill>
                 <a:srgbClr val="3C3C3C"/>
               </a:solidFill>
@@ -21361,412 +20952,534 @@
         </p:nvSpPr>
         <p:spPr>
           <a:xfrm rot="21600000">
-            <a:off x="606568" y="1322967"/>
-            <a:ext cx="5761180" cy="5754370"/>
+            <a:off x="559349" y="1193153"/>
+            <a:ext cx="11632651" cy="5760000"/>
           </a:xfrm>
           <a:prstGeom prst="rect">
             <a:avLst/>
           </a:prstGeom>
         </p:spPr>
         <p:txBody>
-          <a:bodyPr wrap="square" rtlCol="0">
+          <a:bodyPr wrap="square" numCol="3" spcCol="108000" rtlCol="0">
             <a:spAutoFit/>
           </a:bodyPr>
           <a:lstStyle/>
           <a:p>
             <a:r>
-              <a:rPr lang="zh-CN" sz="2300">
-                <a:solidFill>
-                  <a:srgbClr val="000000"/>
-                </a:solidFill>
-              </a:rPr>
-              <a:t>fig, ax = plt.subplots() </a:t>
-            </a:r>
-          </a:p>
-          <a:p>
-            <a:r>
-              <a:rPr lang="zh-CN" sz="2300">
-                <a:solidFill>
-                  <a:srgbClr val="000000"/>
-                </a:solidFill>
-              </a:rPr>
-              <a:t>#建立一个fig对象，建立一个axis1对象</a:t>
-            </a:r>
-          </a:p>
-          <a:p>
-            <a:r>
-              <a:rPr lang="zh-CN" sz="2300">
-                <a:solidFill>
-                  <a:srgbClr val="000000"/>
-                </a:solidFill>
-              </a:rPr>
-              <a:t>ax = plt.gca() </a:t>
-            </a:r>
-          </a:p>
-          <a:p>
-            <a:endParaRPr lang="zh-CN" sz="2300">
-              <a:solidFill>
-                <a:srgbClr val="000000"/>
-              </a:solidFill>
-            </a:endParaRPr>
-          </a:p>
-          <a:p>
-            <a:r>
-              <a:rPr lang="zh-CN" sz="2300">
-                <a:solidFill>
-                  <a:srgbClr val="000000"/>
-                </a:solidFill>
-              </a:rPr>
-              <a:t>plt.rcParams['font.sans-serif']=['SimHei']</a:t>
-            </a:r>
-          </a:p>
-          <a:p>
-            <a:r>
-              <a:rPr lang="zh-CN" sz="2300">
-                <a:solidFill>
-                  <a:srgbClr val="000000"/>
-                </a:solidFill>
-              </a:rPr>
-              <a:t>plt.rcParams['axes.unicode_minus']=False</a:t>
-            </a:r>
-          </a:p>
-          <a:p>
-            <a:r>
-              <a:rPr lang="zh-CN" sz="2300">
-                <a:solidFill>
-                  <a:srgbClr val="000000"/>
-                </a:solidFill>
-              </a:rPr>
-              <a:t>ax.set(xlim=[-5, 5], ylim=[0, 4], title='卷积信号动画演示',</a:t>
-            </a:r>
-          </a:p>
-          <a:p>
-            <a:r>
-              <a:rPr lang="zh-CN" sz="2300">
-                <a:solidFill>
-                  <a:srgbClr val="000000"/>
-                </a:solidFill>
-              </a:rPr>
-              <a:t>       ylabel='Y-轴', xlabel='X-轴')</a:t>
-            </a:r>
-          </a:p>
-          <a:p>
-            <a:endParaRPr lang="zh-CN" sz="2300">
-              <a:solidFill>
-                <a:srgbClr val="000000"/>
-              </a:solidFill>
-            </a:endParaRPr>
-          </a:p>
-          <a:p>
-            <a:r>
-              <a:rPr lang="zh-CN" sz="2300">
-                <a:solidFill>
-                  <a:srgbClr val="000000"/>
-                </a:solidFill>
-              </a:rPr>
-              <a:t>ax.spines['right'].set_color('none')</a:t>
-            </a:r>
-          </a:p>
-          <a:p>
-            <a:r>
-              <a:rPr lang="zh-CN" sz="2300">
-                <a:solidFill>
-                  <a:srgbClr val="000000"/>
-                </a:solidFill>
-              </a:rPr>
-              <a:t>ax.spines['top'].set_color('none')</a:t>
-            </a:r>
-          </a:p>
-          <a:p>
-            <a:endParaRPr lang="zh-CN" sz="2300">
-              <a:solidFill>
-                <a:srgbClr val="000000"/>
-              </a:solidFill>
-            </a:endParaRPr>
-          </a:p>
-          <a:p>
-            <a:r>
-              <a:rPr lang="zh-CN" sz="2300">
-                <a:solidFill>
-                  <a:srgbClr val="000000"/>
-                </a:solidFill>
-              </a:rPr>
-              <a:t>ax.xaxis.set_ticks_position('bottom')</a:t>
-            </a:r>
-          </a:p>
-          <a:p>
-            <a:r>
-              <a:rPr lang="zh-CN" sz="2300">
-                <a:solidFill>
-                  <a:srgbClr val="000000"/>
-                </a:solidFill>
-              </a:rPr>
-              <a:t>ax.spines['bottom'].set_position(('data', 0))</a:t>
-            </a:r>
-          </a:p>
-          <a:p>
-            <a:endParaRPr lang="zh-CN" sz="2300">
-              <a:solidFill>
-                <a:srgbClr val="000000"/>
-              </a:solidFill>
-            </a:endParaRPr>
-          </a:p>
-        </p:txBody>
-      </p:sp>
-      <p:sp>
-        <p:nvSpPr>
-          <p:cNvPr id="1048648" name="文本框 1048647"/>
-          <p:cNvSpPr txBox="1"/>
-          <p:nvPr/>
-        </p:nvSpPr>
-        <p:spPr>
-          <a:xfrm>
-            <a:off x="6367693" y="1322966"/>
-            <a:ext cx="5824307" cy="5400675"/>
-          </a:xfrm>
-          <a:prstGeom prst="rect">
-            <a:avLst/>
-          </a:prstGeom>
-        </p:spPr>
-        <p:txBody>
-          <a:bodyPr wrap="square" rtlCol="0">
-            <a:spAutoFit/>
-          </a:bodyPr>
-          <a:lstStyle/>
-          <a:p>
-            <a:r>
-              <a:rPr lang="zh-CN" sz="2300">
-                <a:solidFill>
-                  <a:srgbClr val="000000"/>
-                </a:solidFill>
-                <a:sym typeface="+mn-ea"/>
-              </a:rPr>
-              <a:t>ax.yaxis.set_ticks_position('left')</a:t>
-            </a:r>
-            <a:endParaRPr lang="zh-CN" sz="2300">
-              <a:solidFill>
-                <a:srgbClr val="000000"/>
-              </a:solidFill>
-            </a:endParaRPr>
-          </a:p>
-          <a:p>
-            <a:r>
-              <a:rPr lang="zh-CN" sz="2300">
-                <a:solidFill>
-                  <a:srgbClr val="000000"/>
-                </a:solidFill>
-                <a:sym typeface="+mn-ea"/>
-              </a:rPr>
-              <a:t>ax.spines['left'].set_position(('data', 0))</a:t>
-            </a:r>
-            <a:endParaRPr lang="zh-CN" sz="2300">
-              <a:solidFill>
-                <a:srgbClr val="000000"/>
-              </a:solidFill>
-            </a:endParaRPr>
-          </a:p>
-          <a:p>
-            <a:r>
-              <a:rPr lang="zh-CN" sz="2300">
-                <a:solidFill>
-                  <a:srgbClr val="000000"/>
-                </a:solidFill>
-                <a:sym typeface="+mn-ea"/>
-              </a:rPr>
-              <a:t>#获取指定的x区间的数据</a:t>
-            </a:r>
-            <a:endParaRPr lang="zh-CN" sz="2300">
-              <a:solidFill>
-                <a:srgbClr val="000000"/>
-              </a:solidFill>
-            </a:endParaRPr>
-          </a:p>
-          <a:p>
-            <a:endParaRPr lang="zh-CN" sz="2300">
-              <a:solidFill>
-                <a:srgbClr val="000000"/>
-              </a:solidFill>
-            </a:endParaRPr>
-          </a:p>
-          <a:p>
-            <a:r>
-              <a:rPr lang="zh-CN" sz="2300">
-                <a:solidFill>
-                  <a:srgbClr val="000000"/>
-                </a:solidFill>
-                <a:sym typeface="+mn-ea"/>
-              </a:rPr>
-              <a:t>x = np.linspace(-1, 1, 1000)</a:t>
-            </a:r>
-            <a:endParaRPr lang="zh-CN" sz="2300">
-              <a:solidFill>
-                <a:srgbClr val="000000"/>
-              </a:solidFill>
-            </a:endParaRPr>
-          </a:p>
-          <a:p>
-            <a:r>
-              <a:rPr lang="zh-CN" sz="2300">
-                <a:solidFill>
-                  <a:srgbClr val="000000"/>
-                </a:solidFill>
-                <a:sym typeface="+mn-ea"/>
-              </a:rPr>
-              <a:t>x1 = np.linspace(-8, 1, 1000)</a:t>
-            </a:r>
-            <a:endParaRPr lang="zh-CN" sz="2300">
-              <a:solidFill>
-                <a:srgbClr val="000000"/>
-              </a:solidFill>
-            </a:endParaRPr>
-          </a:p>
-          <a:p>
-            <a:r>
-              <a:rPr lang="zh-CN" sz="2300">
-                <a:solidFill>
-                  <a:srgbClr val="000000"/>
-                </a:solidFill>
-                <a:sym typeface="+mn-ea"/>
-              </a:rPr>
-              <a:t>x_data, y_data = [], []</a:t>
-            </a:r>
-            <a:endParaRPr lang="zh-CN" sz="2300">
-              <a:solidFill>
-                <a:srgbClr val="000000"/>
-              </a:solidFill>
-            </a:endParaRPr>
-          </a:p>
-          <a:p>
-            <a:r>
-              <a:rPr lang="zh-CN" sz="2300">
-                <a:solidFill>
-                  <a:srgbClr val="000000"/>
-                </a:solidFill>
-                <a:sym typeface="+mn-ea"/>
-              </a:rPr>
-              <a:t>y = x1/x1        #控制固定函数</a:t>
-            </a:r>
-            <a:endParaRPr lang="zh-CN" sz="2300">
-              <a:solidFill>
-                <a:srgbClr val="000000"/>
-              </a:solidFill>
-            </a:endParaRPr>
-          </a:p>
-          <a:p>
-            <a:r>
-              <a:rPr lang="zh-CN" sz="2300">
-                <a:solidFill>
-                  <a:srgbClr val="000000"/>
-                </a:solidFill>
-                <a:sym typeface="+mn-ea"/>
-              </a:rPr>
+              <a:rPr lang="en-US" altLang="zh-CN" sz="2000" dirty="0"/>
+              <a:t>……</a:t>
+            </a:r>
+          </a:p>
+          <a:p>
+            <a:r>
+              <a:rPr lang="en-US" altLang="zh-CN" sz="2000" dirty="0" err="1"/>
+              <a:t>plt.rcParams</a:t>
+            </a:r>
+            <a:r>
+              <a:rPr lang="en-US" altLang="zh-CN" sz="2000" dirty="0"/>
+              <a:t>['</a:t>
+            </a:r>
+            <a:r>
+              <a:rPr lang="en-US" altLang="zh-CN" sz="2000" dirty="0" err="1"/>
+              <a:t>animation.convert_path</a:t>
+            </a:r>
+            <a:r>
+              <a:rPr lang="en-US" altLang="zh-CN" sz="2000" dirty="0"/>
+              <a:t>'] = 'D:\</a:t>
+            </a:r>
+            <a:r>
+              <a:rPr lang="en-US" altLang="zh-CN" sz="2000" dirty="0" err="1"/>
+              <a:t>RouseWeiser</a:t>
+            </a:r>
+            <a:r>
+              <a:rPr lang="en-US" altLang="zh-CN" sz="2000" dirty="0"/>
+              <a:t>\ImageMagick-6.2.7-Q16\convert.exe’</a:t>
+            </a:r>
+          </a:p>
+          <a:p>
+            <a:r>
+              <a:rPr lang="en-US" altLang="zh-CN" sz="2000" dirty="0"/>
+              <a:t>……</a:t>
+            </a:r>
+          </a:p>
+          <a:p>
+            <a:r>
+              <a:rPr lang="en-US" altLang="zh-CN" sz="2000" dirty="0"/>
+              <a:t>x = </a:t>
+            </a:r>
+            <a:r>
+              <a:rPr lang="en-US" altLang="zh-CN" sz="2000" dirty="0" err="1"/>
+              <a:t>np.linspace</a:t>
+            </a:r>
+            <a:r>
+              <a:rPr lang="en-US" altLang="zh-CN" sz="2000" dirty="0"/>
+              <a:t>(-1, 1, 1000)</a:t>
+            </a:r>
+          </a:p>
+          <a:p>
+            <a:r>
+              <a:rPr lang="en-US" altLang="zh-CN" sz="2000" dirty="0"/>
+              <a:t>x1 = </a:t>
+            </a:r>
+            <a:r>
+              <a:rPr lang="en-US" altLang="zh-CN" sz="2000" dirty="0" err="1"/>
+              <a:t>np.linspace</a:t>
+            </a:r>
+            <a:r>
+              <a:rPr lang="en-US" altLang="zh-CN" sz="2000" dirty="0"/>
+              <a:t>(-8, 1, 1000)</a:t>
+            </a:r>
+          </a:p>
+          <a:p>
+            <a:r>
+              <a:rPr lang="en-US" altLang="zh-CN" sz="2000" dirty="0" err="1"/>
+              <a:t>x_data</a:t>
+            </a:r>
+            <a:r>
+              <a:rPr lang="en-US" altLang="zh-CN" sz="2000" dirty="0"/>
+              <a:t>, </a:t>
+            </a:r>
+            <a:r>
+              <a:rPr lang="en-US" altLang="zh-CN" sz="2000" dirty="0" err="1"/>
+              <a:t>y_data</a:t>
+            </a:r>
+            <a:r>
+              <a:rPr lang="en-US" altLang="zh-CN" sz="2000" dirty="0"/>
+              <a:t> = [], []</a:t>
+            </a:r>
+          </a:p>
+          <a:p>
+            <a:r>
+              <a:rPr lang="en-US" altLang="zh-CN" sz="2000" dirty="0"/>
+              <a:t>y = x1/x1 #</a:t>
+            </a:r>
+            <a:r>
+              <a:rPr lang="zh-CN" altLang="en-US" sz="2000" dirty="0"/>
+              <a:t>控制固定函数</a:t>
+            </a:r>
+          </a:p>
+          <a:p>
+            <a:r>
+              <a:rPr lang="en-US" altLang="zh-CN" sz="2000" dirty="0"/>
               <a:t>y[0] = 0</a:t>
             </a:r>
-            <a:endParaRPr lang="zh-CN" sz="2300">
-              <a:solidFill>
-                <a:srgbClr val="000000"/>
-              </a:solidFill>
-            </a:endParaRPr>
-          </a:p>
-          <a:p>
-            <a:r>
-              <a:rPr lang="zh-CN" sz="2300">
-                <a:solidFill>
-                  <a:srgbClr val="000000"/>
-                </a:solidFill>
-                <a:sym typeface="+mn-ea"/>
-              </a:rPr>
+          </a:p>
+          <a:p>
+            <a:r>
+              <a:rPr lang="en-US" altLang="zh-CN" sz="2000" dirty="0"/>
               <a:t>y[-1] = 0</a:t>
             </a:r>
-            <a:endParaRPr lang="zh-CN" sz="2300">
-              <a:solidFill>
-                <a:srgbClr val="000000"/>
-              </a:solidFill>
-            </a:endParaRPr>
-          </a:p>
-          <a:p>
-            <a:r>
-              <a:rPr lang="zh-CN" sz="2300">
-                <a:solidFill>
-                  <a:srgbClr val="000000"/>
-                </a:solidFill>
-                <a:sym typeface="+mn-ea"/>
-              </a:rPr>
-              <a:t>ax.plot(x, y, "red")</a:t>
-            </a:r>
-            <a:endParaRPr lang="zh-CN" sz="2300">
-              <a:solidFill>
-                <a:srgbClr val="000000"/>
-              </a:solidFill>
-            </a:endParaRPr>
-          </a:p>
-          <a:p>
-            <a:r>
-              <a:rPr lang="zh-CN" sz="2300">
-                <a:solidFill>
-                  <a:srgbClr val="000000"/>
-                </a:solidFill>
-                <a:sym typeface="+mn-ea"/>
-              </a:rPr>
-              <a:t>def init():</a:t>
-            </a:r>
-            <a:endParaRPr lang="zh-CN" sz="2300">
-              <a:solidFill>
-                <a:srgbClr val="000000"/>
-              </a:solidFill>
-            </a:endParaRPr>
-          </a:p>
-          <a:p>
-            <a:r>
-              <a:rPr lang="zh-CN" sz="2300">
-                <a:solidFill>
-                  <a:srgbClr val="000000"/>
-                </a:solidFill>
-                <a:sym typeface="+mn-ea"/>
-              </a:rPr>
-              <a:t>    y1 = x1/x1</a:t>
-            </a:r>
-            <a:endParaRPr lang="zh-CN" sz="2300">
-              <a:solidFill>
-                <a:srgbClr val="000000"/>
-              </a:solidFill>
-            </a:endParaRPr>
-          </a:p>
-          <a:p>
-            <a:r>
-              <a:rPr lang="zh-CN" sz="2300">
-                <a:solidFill>
-                  <a:srgbClr val="000000"/>
-                </a:solidFill>
-                <a:sym typeface="+mn-ea"/>
-              </a:rPr>
-              <a:t>    line.set_data(x1,y1)</a:t>
-            </a:r>
-            <a:endParaRPr lang="zh-CN" sz="2300">
-              <a:solidFill>
-                <a:srgbClr val="000000"/>
-              </a:solidFill>
-            </a:endParaRPr>
-          </a:p>
-          <a:p>
-            <a:r>
-              <a:rPr lang="zh-CN" sz="2300">
-                <a:solidFill>
-                  <a:srgbClr val="000000"/>
-                </a:solidFill>
-                <a:sym typeface="+mn-ea"/>
-              </a:rPr>
-              <a:t>    </a:t>
-            </a:r>
-            <a:r>
-              <a:rPr lang="en-US" altLang="zh-CN" sz="2300">
-                <a:solidFill>
-                  <a:srgbClr val="000000"/>
-                </a:solidFill>
-                <a:sym typeface="+mn-ea"/>
-              </a:rPr>
-              <a:t>…………</a:t>
-            </a:r>
+          </a:p>
+          <a:p>
+            <a:r>
+              <a:rPr lang="en-US" altLang="zh-CN" sz="2000" dirty="0" err="1"/>
+              <a:t>ax.plot</a:t>
+            </a:r>
+            <a:r>
+              <a:rPr lang="en-US" altLang="zh-CN" sz="2000" dirty="0"/>
+              <a:t>(x, y, "red")</a:t>
+            </a:r>
+          </a:p>
+          <a:p>
+            <a:r>
+              <a:rPr lang="en-US" altLang="zh-CN" sz="2000" dirty="0"/>
+              <a:t>def </a:t>
+            </a:r>
+            <a:r>
+              <a:rPr lang="en-US" altLang="zh-CN" sz="2000" dirty="0" err="1"/>
+              <a:t>init</a:t>
+            </a:r>
+            <a:r>
+              <a:rPr lang="en-US" altLang="zh-CN" sz="2000" dirty="0"/>
+              <a:t>():</a:t>
+            </a:r>
+          </a:p>
+          <a:p>
+            <a:r>
+              <a:rPr lang="en-US" altLang="zh-CN" sz="2000" dirty="0"/>
+              <a:t>y1 = x1/x1</a:t>
+            </a:r>
+          </a:p>
+          <a:p>
+            <a:r>
+              <a:rPr lang="en-US" altLang="zh-CN" sz="2000" dirty="0" err="1"/>
+              <a:t>line.set_data</a:t>
+            </a:r>
+            <a:r>
+              <a:rPr lang="en-US" altLang="zh-CN" sz="2000" dirty="0"/>
+              <a:t>(x1,y1)</a:t>
+            </a:r>
+          </a:p>
+          <a:p>
+            <a:r>
+              <a:rPr lang="en-US" altLang="zh-CN" sz="2000" dirty="0"/>
+              <a:t>return line,</a:t>
+            </a:r>
+          </a:p>
+          <a:p>
+            <a:r>
+              <a:rPr lang="en-US" altLang="zh-CN" sz="2000" dirty="0"/>
+              <a:t>def animate(</a:t>
+            </a:r>
+            <a:r>
+              <a:rPr lang="en-US" altLang="zh-CN" sz="2000" dirty="0" err="1"/>
+              <a:t>i</a:t>
+            </a:r>
+            <a:r>
+              <a:rPr lang="en-US" altLang="zh-CN" sz="2000" dirty="0"/>
+              <a:t>):</a:t>
+            </a:r>
+          </a:p>
+          <a:p>
+            <a:r>
+              <a:rPr lang="en-US" altLang="zh-CN" sz="2000" dirty="0"/>
+              <a:t>x2 = </a:t>
+            </a:r>
+            <a:r>
+              <a:rPr lang="en-US" altLang="zh-CN" sz="2000" dirty="0" err="1"/>
+              <a:t>np.linspace</a:t>
+            </a:r>
+            <a:r>
+              <a:rPr lang="en-US" altLang="zh-CN" sz="2000" dirty="0"/>
+              <a:t>(-4 + </a:t>
+            </a:r>
+            <a:r>
+              <a:rPr lang="en-US" altLang="zh-CN" sz="2000" dirty="0" err="1"/>
+              <a:t>i</a:t>
+            </a:r>
+            <a:r>
+              <a:rPr lang="en-US" altLang="zh-CN" sz="2000" dirty="0"/>
+              <a:t>, -2 + </a:t>
+            </a:r>
+            <a:r>
+              <a:rPr lang="en-US" altLang="zh-CN" sz="2000" dirty="0" err="1"/>
+              <a:t>i</a:t>
+            </a:r>
+            <a:r>
+              <a:rPr lang="en-US" altLang="zh-CN" sz="2000" dirty="0"/>
+              <a:t>, 1000)</a:t>
+            </a:r>
+          </a:p>
+          <a:p>
+            <a:r>
+              <a:rPr lang="en-US" altLang="zh-CN" sz="2000" dirty="0"/>
+              <a:t>y2 = x1/x1 #</a:t>
+            </a:r>
+            <a:r>
+              <a:rPr lang="zh-CN" altLang="en-US" sz="2000" dirty="0"/>
+              <a:t>控制卷积函数</a:t>
+            </a:r>
+          </a:p>
+          <a:p>
+            <a:r>
+              <a:rPr lang="en-US" altLang="zh-CN" sz="2000" dirty="0"/>
+              <a:t>y2[0] = 0</a:t>
+            </a:r>
+          </a:p>
+          <a:p>
+            <a:r>
+              <a:rPr lang="en-US" altLang="zh-CN" sz="2000" dirty="0"/>
+              <a:t>y2[-1] = 0</a:t>
+            </a:r>
+          </a:p>
+          <a:p>
+            <a:r>
+              <a:rPr lang="en-US" altLang="zh-CN" sz="2000" dirty="0" err="1"/>
+              <a:t>line.set_data</a:t>
+            </a:r>
+            <a:r>
+              <a:rPr lang="en-US" altLang="zh-CN" sz="2000" dirty="0"/>
+              <a:t>(x2,y2)</a:t>
+            </a:r>
+          </a:p>
+          <a:p>
+            <a:r>
+              <a:rPr lang="en-US" altLang="zh-CN" sz="2000" dirty="0"/>
+              <a:t>if </a:t>
+            </a:r>
+            <a:r>
+              <a:rPr lang="en-US" altLang="zh-CN" sz="2000" dirty="0" err="1"/>
+              <a:t>i</a:t>
+            </a:r>
+            <a:r>
+              <a:rPr lang="en-US" altLang="zh-CN" sz="2000" dirty="0"/>
+              <a:t> == 0:</a:t>
+            </a:r>
+          </a:p>
+          <a:p>
+            <a:r>
+              <a:rPr lang="en-US" altLang="zh-CN" sz="2000" dirty="0"/>
+              <a:t>global </a:t>
+            </a:r>
+            <a:r>
+              <a:rPr lang="en-US" altLang="zh-CN" sz="2000" dirty="0" err="1"/>
+              <a:t>x_data</a:t>
+            </a:r>
+            <a:r>
+              <a:rPr lang="en-US" altLang="zh-CN" sz="2000" dirty="0"/>
+              <a:t>, </a:t>
+            </a:r>
+            <a:r>
+              <a:rPr lang="en-US" altLang="zh-CN" sz="2000" dirty="0" err="1"/>
+              <a:t>y_data</a:t>
+            </a:r>
+            <a:endParaRPr lang="en-US" altLang="zh-CN" sz="2000" dirty="0"/>
+          </a:p>
+          <a:p>
+            <a:r>
+              <a:rPr lang="en-US" altLang="zh-CN" sz="2000" dirty="0" err="1"/>
+              <a:t>x_data</a:t>
+            </a:r>
+            <a:r>
+              <a:rPr lang="en-US" altLang="zh-CN" sz="2000" dirty="0"/>
+              <a:t>, </a:t>
+            </a:r>
+            <a:r>
+              <a:rPr lang="en-US" altLang="zh-CN" sz="2000" dirty="0" err="1"/>
+              <a:t>y_data</a:t>
+            </a:r>
+            <a:r>
+              <a:rPr lang="en-US" altLang="zh-CN" sz="2000" dirty="0"/>
+              <a:t> = [], []</a:t>
+            </a:r>
+          </a:p>
+          <a:p>
+            <a:r>
+              <a:rPr lang="en-US" altLang="zh-CN" sz="2000" dirty="0"/>
+              <a:t>line1, = </a:t>
+            </a:r>
+            <a:r>
+              <a:rPr lang="en-US" altLang="zh-CN" sz="2000" dirty="0" err="1"/>
+              <a:t>ax.plot</a:t>
+            </a:r>
+            <a:r>
+              <a:rPr lang="en-US" altLang="zh-CN" sz="2000" dirty="0"/>
+              <a:t>(</a:t>
+            </a:r>
+            <a:r>
+              <a:rPr lang="en-US" altLang="zh-CN" sz="2000" dirty="0" err="1"/>
+              <a:t>x_data</a:t>
+            </a:r>
+            <a:r>
+              <a:rPr lang="en-US" altLang="zh-CN" sz="2000" dirty="0"/>
+              <a:t>, </a:t>
+            </a:r>
+            <a:r>
+              <a:rPr lang="en-US" altLang="zh-CN" sz="2000" dirty="0" err="1"/>
+              <a:t>y_data</a:t>
+            </a:r>
+            <a:r>
+              <a:rPr lang="en-US" altLang="zh-CN" sz="2000" dirty="0"/>
+              <a:t>)</a:t>
+            </a:r>
+          </a:p>
+          <a:p>
+            <a:br>
+              <a:rPr lang="en-US" altLang="zh-CN" sz="2000" dirty="0"/>
+            </a:br>
+            <a:r>
+              <a:rPr lang="en-US" altLang="zh-CN" sz="2000" dirty="0"/>
+              <a:t>if </a:t>
+            </a:r>
+            <a:r>
+              <a:rPr lang="en-US" altLang="zh-CN" sz="2000" dirty="0" err="1"/>
+              <a:t>i</a:t>
+            </a:r>
+            <a:r>
+              <a:rPr lang="en-US" altLang="zh-CN" sz="2000" dirty="0"/>
+              <a:t>&gt;=-3 and </a:t>
+            </a:r>
+            <a:r>
+              <a:rPr lang="en-US" altLang="zh-CN" sz="2000" dirty="0" err="1"/>
+              <a:t>i</a:t>
+            </a:r>
+            <a:r>
+              <a:rPr lang="en-US" altLang="zh-CN" sz="2000" dirty="0"/>
+              <a:t> &lt; 1:</a:t>
+            </a:r>
+          </a:p>
+          <a:p>
+            <a:r>
+              <a:rPr lang="en-US" altLang="zh-CN" sz="2000" dirty="0" err="1"/>
+              <a:t>x_data.append</a:t>
+            </a:r>
+            <a:r>
+              <a:rPr lang="en-US" altLang="zh-CN" sz="2000" dirty="0"/>
+              <a:t>(</a:t>
+            </a:r>
+            <a:r>
+              <a:rPr lang="en-US" altLang="zh-CN" sz="2000" dirty="0" err="1"/>
+              <a:t>i</a:t>
+            </a:r>
+            <a:r>
+              <a:rPr lang="en-US" altLang="zh-CN" sz="2000" dirty="0"/>
+              <a:t> - 4)</a:t>
+            </a:r>
+          </a:p>
+          <a:p>
+            <a:r>
+              <a:rPr lang="en-US" altLang="zh-CN" sz="2000" dirty="0" err="1"/>
+              <a:t>y_data.append</a:t>
+            </a:r>
+            <a:r>
+              <a:rPr lang="en-US" altLang="zh-CN" sz="2000" dirty="0"/>
+              <a:t>(2+(</a:t>
+            </a:r>
+            <a:r>
+              <a:rPr lang="en-US" altLang="zh-CN" sz="2000" dirty="0" err="1"/>
+              <a:t>i</a:t>
+            </a:r>
+            <a:r>
+              <a:rPr lang="en-US" altLang="zh-CN" sz="2000" dirty="0"/>
+              <a:t> - 4))</a:t>
+            </a:r>
+          </a:p>
+          <a:p>
+            <a:r>
+              <a:rPr lang="en-US" altLang="zh-CN" sz="2000" dirty="0"/>
+              <a:t>line1, = </a:t>
+            </a:r>
+            <a:r>
+              <a:rPr lang="en-US" altLang="zh-CN" sz="2000" dirty="0" err="1"/>
+              <a:t>ax.plot</a:t>
+            </a:r>
+            <a:r>
+              <a:rPr lang="en-US" altLang="zh-CN" sz="2000" dirty="0"/>
+              <a:t>(</a:t>
+            </a:r>
+            <a:r>
+              <a:rPr lang="en-US" altLang="zh-CN" sz="2000" dirty="0" err="1"/>
+              <a:t>x_data</a:t>
+            </a:r>
+            <a:r>
+              <a:rPr lang="en-US" altLang="zh-CN" sz="2000" dirty="0"/>
+              <a:t>, </a:t>
+            </a:r>
+            <a:r>
+              <a:rPr lang="en-US" altLang="zh-CN" sz="2000" dirty="0" err="1"/>
+              <a:t>y_data</a:t>
+            </a:r>
+            <a:r>
+              <a:rPr lang="en-US" altLang="zh-CN" sz="2000" dirty="0"/>
+              <a:t>, "yellow")</a:t>
+            </a:r>
+          </a:p>
+          <a:p>
+            <a:r>
+              <a:rPr lang="en-US" altLang="zh-CN" sz="2000" dirty="0"/>
+              <a:t>return line, line1,</a:t>
+            </a:r>
+          </a:p>
+          <a:p>
+            <a:br>
+              <a:rPr lang="en-US" altLang="zh-CN" sz="2000" dirty="0"/>
+            </a:br>
+            <a:r>
+              <a:rPr lang="en-US" altLang="zh-CN" sz="2000" dirty="0" err="1"/>
+              <a:t>elif</a:t>
+            </a:r>
+            <a:r>
+              <a:rPr lang="en-US" altLang="zh-CN" sz="2000" dirty="0"/>
+              <a:t> </a:t>
+            </a:r>
+            <a:r>
+              <a:rPr lang="en-US" altLang="zh-CN" sz="2000" dirty="0" err="1"/>
+              <a:t>i</a:t>
+            </a:r>
+            <a:r>
+              <a:rPr lang="en-US" altLang="zh-CN" sz="2000" dirty="0"/>
+              <a:t> &gt;= 1:</a:t>
+            </a:r>
+          </a:p>
+          <a:p>
+            <a:r>
+              <a:rPr lang="en-US" altLang="zh-CN" sz="2000" dirty="0" err="1"/>
+              <a:t>x_data.append</a:t>
+            </a:r>
+            <a:r>
+              <a:rPr lang="en-US" altLang="zh-CN" sz="2000" dirty="0"/>
+              <a:t>(</a:t>
+            </a:r>
+            <a:r>
+              <a:rPr lang="en-US" altLang="zh-CN" sz="2000" dirty="0" err="1"/>
+              <a:t>i</a:t>
+            </a:r>
+            <a:r>
+              <a:rPr lang="en-US" altLang="zh-CN" sz="2000" dirty="0"/>
+              <a:t> - 1)</a:t>
+            </a:r>
+          </a:p>
+          <a:p>
+            <a:r>
+              <a:rPr lang="en-US" altLang="zh-CN" sz="2000" dirty="0" err="1"/>
+              <a:t>y_data.append</a:t>
+            </a:r>
+            <a:r>
+              <a:rPr lang="en-US" altLang="zh-CN" sz="2000" dirty="0"/>
+              <a:t>(2-(</a:t>
+            </a:r>
+            <a:r>
+              <a:rPr lang="en-US" altLang="zh-CN" sz="2000" dirty="0" err="1"/>
+              <a:t>i</a:t>
+            </a:r>
+            <a:r>
+              <a:rPr lang="en-US" altLang="zh-CN" sz="2000" dirty="0"/>
+              <a:t> - 1))</a:t>
+            </a:r>
+          </a:p>
+          <a:p>
+            <a:r>
+              <a:rPr lang="en-US" altLang="zh-CN" sz="2000" dirty="0"/>
+              <a:t>line1, = </a:t>
+            </a:r>
+            <a:r>
+              <a:rPr lang="en-US" altLang="zh-CN" sz="2000" dirty="0" err="1"/>
+              <a:t>ax.plot</a:t>
+            </a:r>
+            <a:r>
+              <a:rPr lang="en-US" altLang="zh-CN" sz="2000" dirty="0"/>
+              <a:t>(</a:t>
+            </a:r>
+            <a:r>
+              <a:rPr lang="en-US" altLang="zh-CN" sz="2000" dirty="0" err="1"/>
+              <a:t>x_data</a:t>
+            </a:r>
+            <a:r>
+              <a:rPr lang="en-US" altLang="zh-CN" sz="2000" dirty="0"/>
+              <a:t>, </a:t>
+            </a:r>
+            <a:r>
+              <a:rPr lang="en-US" altLang="zh-CN" sz="2000" dirty="0" err="1"/>
+              <a:t>y_data</a:t>
+            </a:r>
+            <a:r>
+              <a:rPr lang="en-US" altLang="zh-CN" sz="2000" dirty="0"/>
+              <a:t>, "yellow")</a:t>
+            </a:r>
+          </a:p>
+          <a:p>
+            <a:r>
+              <a:rPr lang="en-US" altLang="zh-CN" sz="2000" dirty="0"/>
+              <a:t>return line, line1,</a:t>
+            </a:r>
+          </a:p>
+          <a:p>
+            <a:br>
+              <a:rPr lang="en-US" altLang="zh-CN" sz="2000" dirty="0"/>
+            </a:br>
+            <a:r>
+              <a:rPr lang="en-US" altLang="zh-CN" sz="2000" dirty="0"/>
+              <a:t>return line,</a:t>
+            </a:r>
+          </a:p>
+          <a:p>
+            <a:br>
+              <a:rPr lang="en-US" altLang="zh-CN" sz="2000" dirty="0"/>
+            </a:br>
+            <a:endParaRPr lang="en-US" altLang="zh-CN" sz="2000" dirty="0"/>
+          </a:p>
+          <a:p>
+            <a:endParaRPr lang="zh-CN" altLang="en-US" sz="2200" dirty="0"/>
           </a:p>
         </p:txBody>
       </p:sp>
